--- a/Java Core 2.pptx
+++ b/Java Core 2.pptx
@@ -5,24 +5,23 @@
     <p:sldMasterId id="2147483648" r:id="rId1"/>
   </p:sldMasterIdLst>
   <p:sldIdLst>
-    <p:sldId id="324" r:id="rId2"/>
-    <p:sldId id="341" r:id="rId3"/>
-    <p:sldId id="340" r:id="rId4"/>
-    <p:sldId id="325" r:id="rId5"/>
-    <p:sldId id="326" r:id="rId6"/>
-    <p:sldId id="327" r:id="rId7"/>
-    <p:sldId id="328" r:id="rId8"/>
-    <p:sldId id="329" r:id="rId9"/>
-    <p:sldId id="330" r:id="rId10"/>
-    <p:sldId id="331" r:id="rId11"/>
-    <p:sldId id="332" r:id="rId12"/>
-    <p:sldId id="333" r:id="rId13"/>
-    <p:sldId id="334" r:id="rId14"/>
-    <p:sldId id="335" r:id="rId15"/>
-    <p:sldId id="336" r:id="rId16"/>
-    <p:sldId id="337" r:id="rId17"/>
-    <p:sldId id="338" r:id="rId18"/>
-    <p:sldId id="339" r:id="rId19"/>
+    <p:sldId id="341" r:id="rId2"/>
+    <p:sldId id="343" r:id="rId3"/>
+    <p:sldId id="324" r:id="rId4"/>
+    <p:sldId id="342" r:id="rId5"/>
+    <p:sldId id="340" r:id="rId6"/>
+    <p:sldId id="325" r:id="rId7"/>
+    <p:sldId id="326" r:id="rId8"/>
+    <p:sldId id="345" r:id="rId9"/>
+    <p:sldId id="327" r:id="rId10"/>
+    <p:sldId id="329" r:id="rId11"/>
+    <p:sldId id="330" r:id="rId12"/>
+    <p:sldId id="331" r:id="rId13"/>
+    <p:sldId id="344" r:id="rId14"/>
+    <p:sldId id="332" r:id="rId15"/>
+    <p:sldId id="333" r:id="rId16"/>
+    <p:sldId id="334" r:id="rId17"/>
+    <p:sldId id="335" r:id="rId18"/>
   </p:sldIdLst>
   <p:sldSz cx="12192000" cy="6858000"/>
   <p:notesSz cx="6858000" cy="9144000"/>
@@ -123,7 +122,7 @@
   </p:defaultTextStyle>
   <p:extLst>
     <p:ext uri="{EFAFB233-063F-42B5-8137-9DF3F51BA10A}">
-      <p15:sldGuideLst xmlns="" xmlns:p15="http://schemas.microsoft.com/office/powerpoint/2012/main"/>
+      <p15:sldGuideLst xmlns:p15="http://schemas.microsoft.com/office/powerpoint/2012/main" xmlns=""/>
     </p:ext>
   </p:extLst>
 </p:presentation>
@@ -151,7 +150,7 @@
           <p:cNvPr id="2" name="Заголовок 1">
             <a:extLst>
               <a:ext uri="{FF2B5EF4-FFF2-40B4-BE49-F238E27FC236}">
-                <a16:creationId xmlns="" xmlns:a16="http://schemas.microsoft.com/office/drawing/2014/main" id="{667848E1-AA49-4547-A510-DEB04A8C542A}"/>
+                <a16:creationId xmlns:a16="http://schemas.microsoft.com/office/drawing/2014/main" xmlns="" id="{667848E1-AA49-4547-A510-DEB04A8C542A}"/>
               </a:ext>
             </a:extLst>
           </p:cNvPr>
@@ -188,7 +187,7 @@
           <p:cNvPr id="3" name="Подзаголовок 2">
             <a:extLst>
               <a:ext uri="{FF2B5EF4-FFF2-40B4-BE49-F238E27FC236}">
-                <a16:creationId xmlns="" xmlns:a16="http://schemas.microsoft.com/office/drawing/2014/main" id="{19BB9173-6835-44B3-8B2A-AAEF8673AD8B}"/>
+                <a16:creationId xmlns:a16="http://schemas.microsoft.com/office/drawing/2014/main" xmlns="" id="{19BB9173-6835-44B3-8B2A-AAEF8673AD8B}"/>
               </a:ext>
             </a:extLst>
           </p:cNvPr>
@@ -258,7 +257,7 @@
           <p:cNvPr id="4" name="Дата 3">
             <a:extLst>
               <a:ext uri="{FF2B5EF4-FFF2-40B4-BE49-F238E27FC236}">
-                <a16:creationId xmlns="" xmlns:a16="http://schemas.microsoft.com/office/drawing/2014/main" id="{54C359A9-5B97-4853-ABED-1BBD311D0E8E}"/>
+                <a16:creationId xmlns:a16="http://schemas.microsoft.com/office/drawing/2014/main" xmlns="" id="{54C359A9-5B97-4853-ABED-1BBD311D0E8E}"/>
               </a:ext>
             </a:extLst>
           </p:cNvPr>
@@ -287,7 +286,7 @@
           <p:cNvPr id="5" name="Нижний колонтитул 4">
             <a:extLst>
               <a:ext uri="{FF2B5EF4-FFF2-40B4-BE49-F238E27FC236}">
-                <a16:creationId xmlns="" xmlns:a16="http://schemas.microsoft.com/office/drawing/2014/main" id="{BDE3B3CC-FF3B-41C6-AD65-22DCD48D844B}"/>
+                <a16:creationId xmlns:a16="http://schemas.microsoft.com/office/drawing/2014/main" xmlns="" id="{BDE3B3CC-FF3B-41C6-AD65-22DCD48D844B}"/>
               </a:ext>
             </a:extLst>
           </p:cNvPr>
@@ -312,7 +311,7 @@
           <p:cNvPr id="6" name="Номер слайда 5">
             <a:extLst>
               <a:ext uri="{FF2B5EF4-FFF2-40B4-BE49-F238E27FC236}">
-                <a16:creationId xmlns="" xmlns:a16="http://schemas.microsoft.com/office/drawing/2014/main" id="{7EC33920-BDB3-4E05-BCA3-B9891198F694}"/>
+                <a16:creationId xmlns:a16="http://schemas.microsoft.com/office/drawing/2014/main" xmlns="" id="{7EC33920-BDB3-4E05-BCA3-B9891198F694}"/>
               </a:ext>
             </a:extLst>
           </p:cNvPr>
@@ -371,7 +370,7 @@
           <p:cNvPr id="2" name="Заголовок 1">
             <a:extLst>
               <a:ext uri="{FF2B5EF4-FFF2-40B4-BE49-F238E27FC236}">
-                <a16:creationId xmlns="" xmlns:a16="http://schemas.microsoft.com/office/drawing/2014/main" id="{A16539CC-B75F-40B5-B05F-6346AB71251C}"/>
+                <a16:creationId xmlns:a16="http://schemas.microsoft.com/office/drawing/2014/main" xmlns="" id="{A16539CC-B75F-40B5-B05F-6346AB71251C}"/>
               </a:ext>
             </a:extLst>
           </p:cNvPr>
@@ -399,7 +398,7 @@
           <p:cNvPr id="3" name="Вертикальный текст 2">
             <a:extLst>
               <a:ext uri="{FF2B5EF4-FFF2-40B4-BE49-F238E27FC236}">
-                <a16:creationId xmlns="" xmlns:a16="http://schemas.microsoft.com/office/drawing/2014/main" id="{24190B5A-0000-464A-A95A-8484DAB723D2}"/>
+                <a16:creationId xmlns:a16="http://schemas.microsoft.com/office/drawing/2014/main" xmlns="" id="{24190B5A-0000-464A-A95A-8484DAB723D2}"/>
               </a:ext>
             </a:extLst>
           </p:cNvPr>
@@ -456,7 +455,7 @@
           <p:cNvPr id="4" name="Дата 3">
             <a:extLst>
               <a:ext uri="{FF2B5EF4-FFF2-40B4-BE49-F238E27FC236}">
-                <a16:creationId xmlns="" xmlns:a16="http://schemas.microsoft.com/office/drawing/2014/main" id="{A8CA944D-B1D1-4C8A-B91F-8AFC5D0F1C84}"/>
+                <a16:creationId xmlns:a16="http://schemas.microsoft.com/office/drawing/2014/main" xmlns="" id="{A8CA944D-B1D1-4C8A-B91F-8AFC5D0F1C84}"/>
               </a:ext>
             </a:extLst>
           </p:cNvPr>
@@ -485,7 +484,7 @@
           <p:cNvPr id="5" name="Нижний колонтитул 4">
             <a:extLst>
               <a:ext uri="{FF2B5EF4-FFF2-40B4-BE49-F238E27FC236}">
-                <a16:creationId xmlns="" xmlns:a16="http://schemas.microsoft.com/office/drawing/2014/main" id="{F748360D-88AE-4305-9AF8-63DF3E56BE61}"/>
+                <a16:creationId xmlns:a16="http://schemas.microsoft.com/office/drawing/2014/main" xmlns="" id="{F748360D-88AE-4305-9AF8-63DF3E56BE61}"/>
               </a:ext>
             </a:extLst>
           </p:cNvPr>
@@ -510,7 +509,7 @@
           <p:cNvPr id="6" name="Номер слайда 5">
             <a:extLst>
               <a:ext uri="{FF2B5EF4-FFF2-40B4-BE49-F238E27FC236}">
-                <a16:creationId xmlns="" xmlns:a16="http://schemas.microsoft.com/office/drawing/2014/main" id="{A369499E-17CB-452C-9C13-A5D69E2F96DB}"/>
+                <a16:creationId xmlns:a16="http://schemas.microsoft.com/office/drawing/2014/main" xmlns="" id="{A369499E-17CB-452C-9C13-A5D69E2F96DB}"/>
               </a:ext>
             </a:extLst>
           </p:cNvPr>
@@ -569,7 +568,7 @@
           <p:cNvPr id="2" name="Вертикальный заголовок 1">
             <a:extLst>
               <a:ext uri="{FF2B5EF4-FFF2-40B4-BE49-F238E27FC236}">
-                <a16:creationId xmlns="" xmlns:a16="http://schemas.microsoft.com/office/drawing/2014/main" id="{8217567B-8489-48C3-9D7A-2D6EDDD42517}"/>
+                <a16:creationId xmlns:a16="http://schemas.microsoft.com/office/drawing/2014/main" xmlns="" id="{8217567B-8489-48C3-9D7A-2D6EDDD42517}"/>
               </a:ext>
             </a:extLst>
           </p:cNvPr>
@@ -602,7 +601,7 @@
           <p:cNvPr id="3" name="Вертикальный текст 2">
             <a:extLst>
               <a:ext uri="{FF2B5EF4-FFF2-40B4-BE49-F238E27FC236}">
-                <a16:creationId xmlns="" xmlns:a16="http://schemas.microsoft.com/office/drawing/2014/main" id="{3584EA3D-E9AB-40B9-867E-D03E4926C288}"/>
+                <a16:creationId xmlns:a16="http://schemas.microsoft.com/office/drawing/2014/main" xmlns="" id="{3584EA3D-E9AB-40B9-867E-D03E4926C288}"/>
               </a:ext>
             </a:extLst>
           </p:cNvPr>
@@ -664,7 +663,7 @@
           <p:cNvPr id="4" name="Дата 3">
             <a:extLst>
               <a:ext uri="{FF2B5EF4-FFF2-40B4-BE49-F238E27FC236}">
-                <a16:creationId xmlns="" xmlns:a16="http://schemas.microsoft.com/office/drawing/2014/main" id="{B7612C43-FB0E-432C-83E2-9DBD780A8FF1}"/>
+                <a16:creationId xmlns:a16="http://schemas.microsoft.com/office/drawing/2014/main" xmlns="" id="{B7612C43-FB0E-432C-83E2-9DBD780A8FF1}"/>
               </a:ext>
             </a:extLst>
           </p:cNvPr>
@@ -693,7 +692,7 @@
           <p:cNvPr id="5" name="Нижний колонтитул 4">
             <a:extLst>
               <a:ext uri="{FF2B5EF4-FFF2-40B4-BE49-F238E27FC236}">
-                <a16:creationId xmlns="" xmlns:a16="http://schemas.microsoft.com/office/drawing/2014/main" id="{FA1791D4-8451-44B8-BD23-9913C93C3435}"/>
+                <a16:creationId xmlns:a16="http://schemas.microsoft.com/office/drawing/2014/main" xmlns="" id="{FA1791D4-8451-44B8-BD23-9913C93C3435}"/>
               </a:ext>
             </a:extLst>
           </p:cNvPr>
@@ -718,7 +717,7 @@
           <p:cNvPr id="6" name="Номер слайда 5">
             <a:extLst>
               <a:ext uri="{FF2B5EF4-FFF2-40B4-BE49-F238E27FC236}">
-                <a16:creationId xmlns="" xmlns:a16="http://schemas.microsoft.com/office/drawing/2014/main" id="{0D27E09D-E723-4F34-882E-A8771CAC9D5D}"/>
+                <a16:creationId xmlns:a16="http://schemas.microsoft.com/office/drawing/2014/main" xmlns="" id="{0D27E09D-E723-4F34-882E-A8771CAC9D5D}"/>
               </a:ext>
             </a:extLst>
           </p:cNvPr>
@@ -777,7 +776,7 @@
           <p:cNvPr id="2" name="Заголовок 1">
             <a:extLst>
               <a:ext uri="{FF2B5EF4-FFF2-40B4-BE49-F238E27FC236}">
-                <a16:creationId xmlns="" xmlns:a16="http://schemas.microsoft.com/office/drawing/2014/main" id="{6D549F03-0714-450E-B131-B5990A7BFA2C}"/>
+                <a16:creationId xmlns:a16="http://schemas.microsoft.com/office/drawing/2014/main" xmlns="" id="{6D549F03-0714-450E-B131-B5990A7BFA2C}"/>
               </a:ext>
             </a:extLst>
           </p:cNvPr>
@@ -805,7 +804,7 @@
           <p:cNvPr id="3" name="Объект 2">
             <a:extLst>
               <a:ext uri="{FF2B5EF4-FFF2-40B4-BE49-F238E27FC236}">
-                <a16:creationId xmlns="" xmlns:a16="http://schemas.microsoft.com/office/drawing/2014/main" id="{2A3F6270-A442-4809-B544-23D3480372E3}"/>
+                <a16:creationId xmlns:a16="http://schemas.microsoft.com/office/drawing/2014/main" xmlns="" id="{2A3F6270-A442-4809-B544-23D3480372E3}"/>
               </a:ext>
             </a:extLst>
           </p:cNvPr>
@@ -862,7 +861,7 @@
           <p:cNvPr id="4" name="Дата 3">
             <a:extLst>
               <a:ext uri="{FF2B5EF4-FFF2-40B4-BE49-F238E27FC236}">
-                <a16:creationId xmlns="" xmlns:a16="http://schemas.microsoft.com/office/drawing/2014/main" id="{9FC6C133-B1B1-4BF9-8D5B-AA32DEE77CD5}"/>
+                <a16:creationId xmlns:a16="http://schemas.microsoft.com/office/drawing/2014/main" xmlns="" id="{9FC6C133-B1B1-4BF9-8D5B-AA32DEE77CD5}"/>
               </a:ext>
             </a:extLst>
           </p:cNvPr>
@@ -891,7 +890,7 @@
           <p:cNvPr id="5" name="Нижний колонтитул 4">
             <a:extLst>
               <a:ext uri="{FF2B5EF4-FFF2-40B4-BE49-F238E27FC236}">
-                <a16:creationId xmlns="" xmlns:a16="http://schemas.microsoft.com/office/drawing/2014/main" id="{36E6C3CD-CFAF-44C7-BCCE-37B2C6E7FBA0}"/>
+                <a16:creationId xmlns:a16="http://schemas.microsoft.com/office/drawing/2014/main" xmlns="" id="{36E6C3CD-CFAF-44C7-BCCE-37B2C6E7FBA0}"/>
               </a:ext>
             </a:extLst>
           </p:cNvPr>
@@ -916,7 +915,7 @@
           <p:cNvPr id="6" name="Номер слайда 5">
             <a:extLst>
               <a:ext uri="{FF2B5EF4-FFF2-40B4-BE49-F238E27FC236}">
-                <a16:creationId xmlns="" xmlns:a16="http://schemas.microsoft.com/office/drawing/2014/main" id="{8E4F94BD-085E-4979-86B5-E33BD1DF400B}"/>
+                <a16:creationId xmlns:a16="http://schemas.microsoft.com/office/drawing/2014/main" xmlns="" id="{8E4F94BD-085E-4979-86B5-E33BD1DF400B}"/>
               </a:ext>
             </a:extLst>
           </p:cNvPr>
@@ -975,7 +974,7 @@
           <p:cNvPr id="2" name="Заголовок 1">
             <a:extLst>
               <a:ext uri="{FF2B5EF4-FFF2-40B4-BE49-F238E27FC236}">
-                <a16:creationId xmlns="" xmlns:a16="http://schemas.microsoft.com/office/drawing/2014/main" id="{8B640E26-9C8B-49BD-BF87-A72BED76417B}"/>
+                <a16:creationId xmlns:a16="http://schemas.microsoft.com/office/drawing/2014/main" xmlns="" id="{8B640E26-9C8B-49BD-BF87-A72BED76417B}"/>
               </a:ext>
             </a:extLst>
           </p:cNvPr>
@@ -1012,7 +1011,7 @@
           <p:cNvPr id="3" name="Текст 2">
             <a:extLst>
               <a:ext uri="{FF2B5EF4-FFF2-40B4-BE49-F238E27FC236}">
-                <a16:creationId xmlns="" xmlns:a16="http://schemas.microsoft.com/office/drawing/2014/main" id="{B43F6370-68EA-4402-A1B2-ACA1869B5481}"/>
+                <a16:creationId xmlns:a16="http://schemas.microsoft.com/office/drawing/2014/main" xmlns="" id="{B43F6370-68EA-4402-A1B2-ACA1869B5481}"/>
               </a:ext>
             </a:extLst>
           </p:cNvPr>
@@ -1137,7 +1136,7 @@
           <p:cNvPr id="4" name="Дата 3">
             <a:extLst>
               <a:ext uri="{FF2B5EF4-FFF2-40B4-BE49-F238E27FC236}">
-                <a16:creationId xmlns="" xmlns:a16="http://schemas.microsoft.com/office/drawing/2014/main" id="{ABB210E9-548F-4CD4-A1E3-CA0A5A02AA6F}"/>
+                <a16:creationId xmlns:a16="http://schemas.microsoft.com/office/drawing/2014/main" xmlns="" id="{ABB210E9-548F-4CD4-A1E3-CA0A5A02AA6F}"/>
               </a:ext>
             </a:extLst>
           </p:cNvPr>
@@ -1166,7 +1165,7 @@
           <p:cNvPr id="5" name="Нижний колонтитул 4">
             <a:extLst>
               <a:ext uri="{FF2B5EF4-FFF2-40B4-BE49-F238E27FC236}">
-                <a16:creationId xmlns="" xmlns:a16="http://schemas.microsoft.com/office/drawing/2014/main" id="{7D25D066-2EBB-4DFB-B9D3-11AA174E31CB}"/>
+                <a16:creationId xmlns:a16="http://schemas.microsoft.com/office/drawing/2014/main" xmlns="" id="{7D25D066-2EBB-4DFB-B9D3-11AA174E31CB}"/>
               </a:ext>
             </a:extLst>
           </p:cNvPr>
@@ -1191,7 +1190,7 @@
           <p:cNvPr id="6" name="Номер слайда 5">
             <a:extLst>
               <a:ext uri="{FF2B5EF4-FFF2-40B4-BE49-F238E27FC236}">
-                <a16:creationId xmlns="" xmlns:a16="http://schemas.microsoft.com/office/drawing/2014/main" id="{297B670C-27C1-42CA-A840-0F904AA5B422}"/>
+                <a16:creationId xmlns:a16="http://schemas.microsoft.com/office/drawing/2014/main" xmlns="" id="{297B670C-27C1-42CA-A840-0F904AA5B422}"/>
               </a:ext>
             </a:extLst>
           </p:cNvPr>
@@ -1250,7 +1249,7 @@
           <p:cNvPr id="2" name="Заголовок 1">
             <a:extLst>
               <a:ext uri="{FF2B5EF4-FFF2-40B4-BE49-F238E27FC236}">
-                <a16:creationId xmlns="" xmlns:a16="http://schemas.microsoft.com/office/drawing/2014/main" id="{20F4FFB0-CFEF-4AD6-8D58-7C238F8AE8CA}"/>
+                <a16:creationId xmlns:a16="http://schemas.microsoft.com/office/drawing/2014/main" xmlns="" id="{20F4FFB0-CFEF-4AD6-8D58-7C238F8AE8CA}"/>
               </a:ext>
             </a:extLst>
           </p:cNvPr>
@@ -1278,7 +1277,7 @@
           <p:cNvPr id="3" name="Объект 2">
             <a:extLst>
               <a:ext uri="{FF2B5EF4-FFF2-40B4-BE49-F238E27FC236}">
-                <a16:creationId xmlns="" xmlns:a16="http://schemas.microsoft.com/office/drawing/2014/main" id="{33832063-0242-43A1-9445-0C9E2060B250}"/>
+                <a16:creationId xmlns:a16="http://schemas.microsoft.com/office/drawing/2014/main" xmlns="" id="{33832063-0242-43A1-9445-0C9E2060B250}"/>
               </a:ext>
             </a:extLst>
           </p:cNvPr>
@@ -1340,7 +1339,7 @@
           <p:cNvPr id="4" name="Объект 3">
             <a:extLst>
               <a:ext uri="{FF2B5EF4-FFF2-40B4-BE49-F238E27FC236}">
-                <a16:creationId xmlns="" xmlns:a16="http://schemas.microsoft.com/office/drawing/2014/main" id="{9CEAEAD8-12C4-4490-A17E-2DFA88EAFC0F}"/>
+                <a16:creationId xmlns:a16="http://schemas.microsoft.com/office/drawing/2014/main" xmlns="" id="{9CEAEAD8-12C4-4490-A17E-2DFA88EAFC0F}"/>
               </a:ext>
             </a:extLst>
           </p:cNvPr>
@@ -1402,7 +1401,7 @@
           <p:cNvPr id="5" name="Дата 4">
             <a:extLst>
               <a:ext uri="{FF2B5EF4-FFF2-40B4-BE49-F238E27FC236}">
-                <a16:creationId xmlns="" xmlns:a16="http://schemas.microsoft.com/office/drawing/2014/main" id="{70B0B067-CC5F-4D3B-99AC-2A3D1114146E}"/>
+                <a16:creationId xmlns:a16="http://schemas.microsoft.com/office/drawing/2014/main" xmlns="" id="{70B0B067-CC5F-4D3B-99AC-2A3D1114146E}"/>
               </a:ext>
             </a:extLst>
           </p:cNvPr>
@@ -1431,7 +1430,7 @@
           <p:cNvPr id="6" name="Нижний колонтитул 5">
             <a:extLst>
               <a:ext uri="{FF2B5EF4-FFF2-40B4-BE49-F238E27FC236}">
-                <a16:creationId xmlns="" xmlns:a16="http://schemas.microsoft.com/office/drawing/2014/main" id="{5B472DD8-8DF8-4651-A01B-9421DA6E6008}"/>
+                <a16:creationId xmlns:a16="http://schemas.microsoft.com/office/drawing/2014/main" xmlns="" id="{5B472DD8-8DF8-4651-A01B-9421DA6E6008}"/>
               </a:ext>
             </a:extLst>
           </p:cNvPr>
@@ -1456,7 +1455,7 @@
           <p:cNvPr id="7" name="Номер слайда 6">
             <a:extLst>
               <a:ext uri="{FF2B5EF4-FFF2-40B4-BE49-F238E27FC236}">
-                <a16:creationId xmlns="" xmlns:a16="http://schemas.microsoft.com/office/drawing/2014/main" id="{1C7CDAC8-DB78-4BED-845F-89C0187A1545}"/>
+                <a16:creationId xmlns:a16="http://schemas.microsoft.com/office/drawing/2014/main" xmlns="" id="{1C7CDAC8-DB78-4BED-845F-89C0187A1545}"/>
               </a:ext>
             </a:extLst>
           </p:cNvPr>
@@ -1515,7 +1514,7 @@
           <p:cNvPr id="2" name="Заголовок 1">
             <a:extLst>
               <a:ext uri="{FF2B5EF4-FFF2-40B4-BE49-F238E27FC236}">
-                <a16:creationId xmlns="" xmlns:a16="http://schemas.microsoft.com/office/drawing/2014/main" id="{63979207-7B29-46AE-AE0E-A84114D3D464}"/>
+                <a16:creationId xmlns:a16="http://schemas.microsoft.com/office/drawing/2014/main" xmlns="" id="{63979207-7B29-46AE-AE0E-A84114D3D464}"/>
               </a:ext>
             </a:extLst>
           </p:cNvPr>
@@ -1548,7 +1547,7 @@
           <p:cNvPr id="3" name="Текст 2">
             <a:extLst>
               <a:ext uri="{FF2B5EF4-FFF2-40B4-BE49-F238E27FC236}">
-                <a16:creationId xmlns="" xmlns:a16="http://schemas.microsoft.com/office/drawing/2014/main" id="{B4AB2AB8-73D1-4CE3-8AF3-35893E4E5F83}"/>
+                <a16:creationId xmlns:a16="http://schemas.microsoft.com/office/drawing/2014/main" xmlns="" id="{B4AB2AB8-73D1-4CE3-8AF3-35893E4E5F83}"/>
               </a:ext>
             </a:extLst>
           </p:cNvPr>
@@ -1619,7 +1618,7 @@
           <p:cNvPr id="4" name="Объект 3">
             <a:extLst>
               <a:ext uri="{FF2B5EF4-FFF2-40B4-BE49-F238E27FC236}">
-                <a16:creationId xmlns="" xmlns:a16="http://schemas.microsoft.com/office/drawing/2014/main" id="{D8D605E5-26D1-4861-A268-87B764A5F35C}"/>
+                <a16:creationId xmlns:a16="http://schemas.microsoft.com/office/drawing/2014/main" xmlns="" id="{D8D605E5-26D1-4861-A268-87B764A5F35C}"/>
               </a:ext>
             </a:extLst>
           </p:cNvPr>
@@ -1681,7 +1680,7 @@
           <p:cNvPr id="5" name="Текст 4">
             <a:extLst>
               <a:ext uri="{FF2B5EF4-FFF2-40B4-BE49-F238E27FC236}">
-                <a16:creationId xmlns="" xmlns:a16="http://schemas.microsoft.com/office/drawing/2014/main" id="{12FDF02F-74F5-41B9-BFC5-F9F186A5C159}"/>
+                <a16:creationId xmlns:a16="http://schemas.microsoft.com/office/drawing/2014/main" xmlns="" id="{12FDF02F-74F5-41B9-BFC5-F9F186A5C159}"/>
               </a:ext>
             </a:extLst>
           </p:cNvPr>
@@ -1752,7 +1751,7 @@
           <p:cNvPr id="6" name="Объект 5">
             <a:extLst>
               <a:ext uri="{FF2B5EF4-FFF2-40B4-BE49-F238E27FC236}">
-                <a16:creationId xmlns="" xmlns:a16="http://schemas.microsoft.com/office/drawing/2014/main" id="{E2ACF470-4EEC-4AC9-BA25-1F7286D3959C}"/>
+                <a16:creationId xmlns:a16="http://schemas.microsoft.com/office/drawing/2014/main" xmlns="" id="{E2ACF470-4EEC-4AC9-BA25-1F7286D3959C}"/>
               </a:ext>
             </a:extLst>
           </p:cNvPr>
@@ -1814,7 +1813,7 @@
           <p:cNvPr id="7" name="Дата 6">
             <a:extLst>
               <a:ext uri="{FF2B5EF4-FFF2-40B4-BE49-F238E27FC236}">
-                <a16:creationId xmlns="" xmlns:a16="http://schemas.microsoft.com/office/drawing/2014/main" id="{B3EB076F-9E60-4A69-81A3-A7C430AE51A2}"/>
+                <a16:creationId xmlns:a16="http://schemas.microsoft.com/office/drawing/2014/main" xmlns="" id="{B3EB076F-9E60-4A69-81A3-A7C430AE51A2}"/>
               </a:ext>
             </a:extLst>
           </p:cNvPr>
@@ -1843,7 +1842,7 @@
           <p:cNvPr id="8" name="Нижний колонтитул 7">
             <a:extLst>
               <a:ext uri="{FF2B5EF4-FFF2-40B4-BE49-F238E27FC236}">
-                <a16:creationId xmlns="" xmlns:a16="http://schemas.microsoft.com/office/drawing/2014/main" id="{903EB971-BB84-4239-93C7-9FD11D8E1D62}"/>
+                <a16:creationId xmlns:a16="http://schemas.microsoft.com/office/drawing/2014/main" xmlns="" id="{903EB971-BB84-4239-93C7-9FD11D8E1D62}"/>
               </a:ext>
             </a:extLst>
           </p:cNvPr>
@@ -1868,7 +1867,7 @@
           <p:cNvPr id="9" name="Номер слайда 8">
             <a:extLst>
               <a:ext uri="{FF2B5EF4-FFF2-40B4-BE49-F238E27FC236}">
-                <a16:creationId xmlns="" xmlns:a16="http://schemas.microsoft.com/office/drawing/2014/main" id="{AD70712F-DF09-4F48-96DA-FF1174CAE8C1}"/>
+                <a16:creationId xmlns:a16="http://schemas.microsoft.com/office/drawing/2014/main" xmlns="" id="{AD70712F-DF09-4F48-96DA-FF1174CAE8C1}"/>
               </a:ext>
             </a:extLst>
           </p:cNvPr>
@@ -1927,7 +1926,7 @@
           <p:cNvPr id="2" name="Заголовок 1">
             <a:extLst>
               <a:ext uri="{FF2B5EF4-FFF2-40B4-BE49-F238E27FC236}">
-                <a16:creationId xmlns="" xmlns:a16="http://schemas.microsoft.com/office/drawing/2014/main" id="{58461707-22F3-4404-9AC0-E5CFBBF77566}"/>
+                <a16:creationId xmlns:a16="http://schemas.microsoft.com/office/drawing/2014/main" xmlns="" id="{58461707-22F3-4404-9AC0-E5CFBBF77566}"/>
               </a:ext>
             </a:extLst>
           </p:cNvPr>
@@ -1955,7 +1954,7 @@
           <p:cNvPr id="3" name="Дата 2">
             <a:extLst>
               <a:ext uri="{FF2B5EF4-FFF2-40B4-BE49-F238E27FC236}">
-                <a16:creationId xmlns="" xmlns:a16="http://schemas.microsoft.com/office/drawing/2014/main" id="{14408897-5E73-4985-91AE-A73A68AB9D9E}"/>
+                <a16:creationId xmlns:a16="http://schemas.microsoft.com/office/drawing/2014/main" xmlns="" id="{14408897-5E73-4985-91AE-A73A68AB9D9E}"/>
               </a:ext>
             </a:extLst>
           </p:cNvPr>
@@ -1984,7 +1983,7 @@
           <p:cNvPr id="4" name="Нижний колонтитул 3">
             <a:extLst>
               <a:ext uri="{FF2B5EF4-FFF2-40B4-BE49-F238E27FC236}">
-                <a16:creationId xmlns="" xmlns:a16="http://schemas.microsoft.com/office/drawing/2014/main" id="{F66274B1-3E10-437A-B268-ABF012BAC483}"/>
+                <a16:creationId xmlns:a16="http://schemas.microsoft.com/office/drawing/2014/main" xmlns="" id="{F66274B1-3E10-437A-B268-ABF012BAC483}"/>
               </a:ext>
             </a:extLst>
           </p:cNvPr>
@@ -2009,7 +2008,7 @@
           <p:cNvPr id="5" name="Номер слайда 4">
             <a:extLst>
               <a:ext uri="{FF2B5EF4-FFF2-40B4-BE49-F238E27FC236}">
-                <a16:creationId xmlns="" xmlns:a16="http://schemas.microsoft.com/office/drawing/2014/main" id="{53341F57-3715-47EB-9AB1-FD91C8B7F7A8}"/>
+                <a16:creationId xmlns:a16="http://schemas.microsoft.com/office/drawing/2014/main" xmlns="" id="{53341F57-3715-47EB-9AB1-FD91C8B7F7A8}"/>
               </a:ext>
             </a:extLst>
           </p:cNvPr>
@@ -2068,7 +2067,7 @@
           <p:cNvPr id="2" name="Дата 1">
             <a:extLst>
               <a:ext uri="{FF2B5EF4-FFF2-40B4-BE49-F238E27FC236}">
-                <a16:creationId xmlns="" xmlns:a16="http://schemas.microsoft.com/office/drawing/2014/main" id="{FA7100DE-39D5-4F7C-BF64-0CF10F4FC79C}"/>
+                <a16:creationId xmlns:a16="http://schemas.microsoft.com/office/drawing/2014/main" xmlns="" id="{FA7100DE-39D5-4F7C-BF64-0CF10F4FC79C}"/>
               </a:ext>
             </a:extLst>
           </p:cNvPr>
@@ -2097,7 +2096,7 @@
           <p:cNvPr id="3" name="Нижний колонтитул 2">
             <a:extLst>
               <a:ext uri="{FF2B5EF4-FFF2-40B4-BE49-F238E27FC236}">
-                <a16:creationId xmlns="" xmlns:a16="http://schemas.microsoft.com/office/drawing/2014/main" id="{52BC106B-D619-4100-9D8C-8B3B6DF239CA}"/>
+                <a16:creationId xmlns:a16="http://schemas.microsoft.com/office/drawing/2014/main" xmlns="" id="{52BC106B-D619-4100-9D8C-8B3B6DF239CA}"/>
               </a:ext>
             </a:extLst>
           </p:cNvPr>
@@ -2122,7 +2121,7 @@
           <p:cNvPr id="4" name="Номер слайда 3">
             <a:extLst>
               <a:ext uri="{FF2B5EF4-FFF2-40B4-BE49-F238E27FC236}">
-                <a16:creationId xmlns="" xmlns:a16="http://schemas.microsoft.com/office/drawing/2014/main" id="{50DF4EA1-12C1-4683-93F5-47BDC386713E}"/>
+                <a16:creationId xmlns:a16="http://schemas.microsoft.com/office/drawing/2014/main" xmlns="" id="{50DF4EA1-12C1-4683-93F5-47BDC386713E}"/>
               </a:ext>
             </a:extLst>
           </p:cNvPr>
@@ -2181,7 +2180,7 @@
           <p:cNvPr id="2" name="Заголовок 1">
             <a:extLst>
               <a:ext uri="{FF2B5EF4-FFF2-40B4-BE49-F238E27FC236}">
-                <a16:creationId xmlns="" xmlns:a16="http://schemas.microsoft.com/office/drawing/2014/main" id="{979B959F-D847-45D3-8EC5-CBECEDA35AEE}"/>
+                <a16:creationId xmlns:a16="http://schemas.microsoft.com/office/drawing/2014/main" xmlns="" id="{979B959F-D847-45D3-8EC5-CBECEDA35AEE}"/>
               </a:ext>
             </a:extLst>
           </p:cNvPr>
@@ -2218,7 +2217,7 @@
           <p:cNvPr id="3" name="Объект 2">
             <a:extLst>
               <a:ext uri="{FF2B5EF4-FFF2-40B4-BE49-F238E27FC236}">
-                <a16:creationId xmlns="" xmlns:a16="http://schemas.microsoft.com/office/drawing/2014/main" id="{055A1541-C599-49E5-B4A7-80FB8470E22A}"/>
+                <a16:creationId xmlns:a16="http://schemas.microsoft.com/office/drawing/2014/main" xmlns="" id="{055A1541-C599-49E5-B4A7-80FB8470E22A}"/>
               </a:ext>
             </a:extLst>
           </p:cNvPr>
@@ -2308,7 +2307,7 @@
           <p:cNvPr id="4" name="Текст 3">
             <a:extLst>
               <a:ext uri="{FF2B5EF4-FFF2-40B4-BE49-F238E27FC236}">
-                <a16:creationId xmlns="" xmlns:a16="http://schemas.microsoft.com/office/drawing/2014/main" id="{90BAFEBA-7F60-43AD-BFB7-ABDD730F871B}"/>
+                <a16:creationId xmlns:a16="http://schemas.microsoft.com/office/drawing/2014/main" xmlns="" id="{90BAFEBA-7F60-43AD-BFB7-ABDD730F871B}"/>
               </a:ext>
             </a:extLst>
           </p:cNvPr>
@@ -2379,7 +2378,7 @@
           <p:cNvPr id="5" name="Дата 4">
             <a:extLst>
               <a:ext uri="{FF2B5EF4-FFF2-40B4-BE49-F238E27FC236}">
-                <a16:creationId xmlns="" xmlns:a16="http://schemas.microsoft.com/office/drawing/2014/main" id="{D5627DDB-0CBE-40AB-9722-7D456938AB6E}"/>
+                <a16:creationId xmlns:a16="http://schemas.microsoft.com/office/drawing/2014/main" xmlns="" id="{D5627DDB-0CBE-40AB-9722-7D456938AB6E}"/>
               </a:ext>
             </a:extLst>
           </p:cNvPr>
@@ -2408,7 +2407,7 @@
           <p:cNvPr id="6" name="Нижний колонтитул 5">
             <a:extLst>
               <a:ext uri="{FF2B5EF4-FFF2-40B4-BE49-F238E27FC236}">
-                <a16:creationId xmlns="" xmlns:a16="http://schemas.microsoft.com/office/drawing/2014/main" id="{914D7CEE-F7CF-46C9-B2D1-D8F8E3D065FA}"/>
+                <a16:creationId xmlns:a16="http://schemas.microsoft.com/office/drawing/2014/main" xmlns="" id="{914D7CEE-F7CF-46C9-B2D1-D8F8E3D065FA}"/>
               </a:ext>
             </a:extLst>
           </p:cNvPr>
@@ -2433,7 +2432,7 @@
           <p:cNvPr id="7" name="Номер слайда 6">
             <a:extLst>
               <a:ext uri="{FF2B5EF4-FFF2-40B4-BE49-F238E27FC236}">
-                <a16:creationId xmlns="" xmlns:a16="http://schemas.microsoft.com/office/drawing/2014/main" id="{147F1A8C-39A4-4BF7-B8CB-D71AD9B628BF}"/>
+                <a16:creationId xmlns:a16="http://schemas.microsoft.com/office/drawing/2014/main" xmlns="" id="{147F1A8C-39A4-4BF7-B8CB-D71AD9B628BF}"/>
               </a:ext>
             </a:extLst>
           </p:cNvPr>
@@ -2492,7 +2491,7 @@
           <p:cNvPr id="2" name="Заголовок 1">
             <a:extLst>
               <a:ext uri="{FF2B5EF4-FFF2-40B4-BE49-F238E27FC236}">
-                <a16:creationId xmlns="" xmlns:a16="http://schemas.microsoft.com/office/drawing/2014/main" id="{8133678F-6364-4FEE-976A-42B10DD18514}"/>
+                <a16:creationId xmlns:a16="http://schemas.microsoft.com/office/drawing/2014/main" xmlns="" id="{8133678F-6364-4FEE-976A-42B10DD18514}"/>
               </a:ext>
             </a:extLst>
           </p:cNvPr>
@@ -2529,7 +2528,7 @@
           <p:cNvPr id="3" name="Рисунок 2">
             <a:extLst>
               <a:ext uri="{FF2B5EF4-FFF2-40B4-BE49-F238E27FC236}">
-                <a16:creationId xmlns="" xmlns:a16="http://schemas.microsoft.com/office/drawing/2014/main" id="{0BF46B4E-B35D-447A-8E8F-CFD7E7AF9B6C}"/>
+                <a16:creationId xmlns:a16="http://schemas.microsoft.com/office/drawing/2014/main" xmlns="" id="{0BF46B4E-B35D-447A-8E8F-CFD7E7AF9B6C}"/>
               </a:ext>
             </a:extLst>
           </p:cNvPr>
@@ -2596,7 +2595,7 @@
           <p:cNvPr id="4" name="Текст 3">
             <a:extLst>
               <a:ext uri="{FF2B5EF4-FFF2-40B4-BE49-F238E27FC236}">
-                <a16:creationId xmlns="" xmlns:a16="http://schemas.microsoft.com/office/drawing/2014/main" id="{E624D8AC-25E4-4ADB-B787-A423B1FF6C8E}"/>
+                <a16:creationId xmlns:a16="http://schemas.microsoft.com/office/drawing/2014/main" xmlns="" id="{E624D8AC-25E4-4ADB-B787-A423B1FF6C8E}"/>
               </a:ext>
             </a:extLst>
           </p:cNvPr>
@@ -2667,7 +2666,7 @@
           <p:cNvPr id="5" name="Дата 4">
             <a:extLst>
               <a:ext uri="{FF2B5EF4-FFF2-40B4-BE49-F238E27FC236}">
-                <a16:creationId xmlns="" xmlns:a16="http://schemas.microsoft.com/office/drawing/2014/main" id="{F0782CDC-0694-4CBE-B807-548EB5BB061E}"/>
+                <a16:creationId xmlns:a16="http://schemas.microsoft.com/office/drawing/2014/main" xmlns="" id="{F0782CDC-0694-4CBE-B807-548EB5BB061E}"/>
               </a:ext>
             </a:extLst>
           </p:cNvPr>
@@ -2696,7 +2695,7 @@
           <p:cNvPr id="6" name="Нижний колонтитул 5">
             <a:extLst>
               <a:ext uri="{FF2B5EF4-FFF2-40B4-BE49-F238E27FC236}">
-                <a16:creationId xmlns="" xmlns:a16="http://schemas.microsoft.com/office/drawing/2014/main" id="{282A770E-9CD8-4D31-B29B-A89916900968}"/>
+                <a16:creationId xmlns:a16="http://schemas.microsoft.com/office/drawing/2014/main" xmlns="" id="{282A770E-9CD8-4D31-B29B-A89916900968}"/>
               </a:ext>
             </a:extLst>
           </p:cNvPr>
@@ -2721,7 +2720,7 @@
           <p:cNvPr id="7" name="Номер слайда 6">
             <a:extLst>
               <a:ext uri="{FF2B5EF4-FFF2-40B4-BE49-F238E27FC236}">
-                <a16:creationId xmlns="" xmlns:a16="http://schemas.microsoft.com/office/drawing/2014/main" id="{0BBEBAA4-72F9-4314-B150-6B662F2E0037}"/>
+                <a16:creationId xmlns:a16="http://schemas.microsoft.com/office/drawing/2014/main" xmlns="" id="{0BBEBAA4-72F9-4314-B150-6B662F2E0037}"/>
               </a:ext>
             </a:extLst>
           </p:cNvPr>
@@ -2785,7 +2784,7 @@
           <p:cNvPr id="2" name="Заголовок 1">
             <a:extLst>
               <a:ext uri="{FF2B5EF4-FFF2-40B4-BE49-F238E27FC236}">
-                <a16:creationId xmlns="" xmlns:a16="http://schemas.microsoft.com/office/drawing/2014/main" id="{60A6D0E1-B313-4617-B7E5-B4F49F28D6BA}"/>
+                <a16:creationId xmlns:a16="http://schemas.microsoft.com/office/drawing/2014/main" xmlns="" id="{60A6D0E1-B313-4617-B7E5-B4F49F28D6BA}"/>
               </a:ext>
             </a:extLst>
           </p:cNvPr>
@@ -2823,7 +2822,7 @@
           <p:cNvPr id="3" name="Текст 2">
             <a:extLst>
               <a:ext uri="{FF2B5EF4-FFF2-40B4-BE49-F238E27FC236}">
-                <a16:creationId xmlns="" xmlns:a16="http://schemas.microsoft.com/office/drawing/2014/main" id="{45F12EE7-5BE9-4D56-B41F-0E54D7732308}"/>
+                <a16:creationId xmlns:a16="http://schemas.microsoft.com/office/drawing/2014/main" xmlns="" id="{45F12EE7-5BE9-4D56-B41F-0E54D7732308}"/>
               </a:ext>
             </a:extLst>
           </p:cNvPr>
@@ -2890,7 +2889,7 @@
           <p:cNvPr id="4" name="Дата 3">
             <a:extLst>
               <a:ext uri="{FF2B5EF4-FFF2-40B4-BE49-F238E27FC236}">
-                <a16:creationId xmlns="" xmlns:a16="http://schemas.microsoft.com/office/drawing/2014/main" id="{D3FB9D7E-A094-456D-9CED-E8FF973B9A77}"/>
+                <a16:creationId xmlns:a16="http://schemas.microsoft.com/office/drawing/2014/main" xmlns="" id="{D3FB9D7E-A094-456D-9CED-E8FF973B9A77}"/>
               </a:ext>
             </a:extLst>
           </p:cNvPr>
@@ -2937,7 +2936,7 @@
           <p:cNvPr id="5" name="Нижний колонтитул 4">
             <a:extLst>
               <a:ext uri="{FF2B5EF4-FFF2-40B4-BE49-F238E27FC236}">
-                <a16:creationId xmlns="" xmlns:a16="http://schemas.microsoft.com/office/drawing/2014/main" id="{9F7C3C88-FEAE-4374-907A-479578C8E293}"/>
+                <a16:creationId xmlns:a16="http://schemas.microsoft.com/office/drawing/2014/main" xmlns="" id="{9F7C3C88-FEAE-4374-907A-479578C8E293}"/>
               </a:ext>
             </a:extLst>
           </p:cNvPr>
@@ -2980,7 +2979,7 @@
           <p:cNvPr id="6" name="Номер слайда 5">
             <a:extLst>
               <a:ext uri="{FF2B5EF4-FFF2-40B4-BE49-F238E27FC236}">
-                <a16:creationId xmlns="" xmlns:a16="http://schemas.microsoft.com/office/drawing/2014/main" id="{A7D0D45F-781E-488C-A90A-D06D16D9EF3D}"/>
+                <a16:creationId xmlns:a16="http://schemas.microsoft.com/office/drawing/2014/main" xmlns="" id="{A7D0D45F-781E-488C-A90A-D06D16D9EF3D}"/>
               </a:ext>
             </a:extLst>
           </p:cNvPr>
@@ -3361,7 +3360,7 @@
             <a:pPr algn="ctr"/>
             <a:r>
               <a:rPr lang="ru-RU" dirty="0" smtClean="0"/>
-              <a:t>Интерфейс</a:t>
+              <a:t>Цели лекции</a:t>
             </a:r>
             <a:endParaRPr lang="ru-RU" dirty="0"/>
           </a:p>
@@ -3386,64 +3385,12 @@
               <a:buNone/>
             </a:pPr>
             <a:r>
-              <a:rPr lang="en-US" dirty="0">
+              <a:rPr lang="en-US" dirty="0" smtClean="0">
                 <a:solidFill>
                   <a:srgbClr val="FF0000"/>
                 </a:solidFill>
               </a:rPr>
               <a:t>TODO</a:t>
-            </a:r>
-            <a:r>
-              <a:rPr lang="ru-RU" dirty="0"/>
-              <a:t> </a:t>
-            </a:r>
-            <a:r>
-              <a:rPr lang="ru-RU" dirty="0">
-                <a:solidFill>
-                  <a:srgbClr val="FF0000"/>
-                </a:solidFill>
-              </a:rPr>
-              <a:t>Добавить </a:t>
-            </a:r>
-            <a:r>
-              <a:rPr lang="en-US" dirty="0" err="1" smtClean="0">
-                <a:solidFill>
-                  <a:srgbClr val="FF0000"/>
-                </a:solidFill>
-              </a:rPr>
-              <a:t>Inteface</a:t>
-            </a:r>
-            <a:r>
-              <a:rPr lang="ru-RU" dirty="0" smtClean="0">
-                <a:solidFill>
-                  <a:srgbClr val="FF0000"/>
-                </a:solidFill>
-              </a:rPr>
-              <a:t>.</a:t>
-            </a:r>
-            <a:r>
-              <a:rPr lang="en-US" dirty="0" smtClean="0">
-                <a:solidFill>
-                  <a:srgbClr val="FF0000"/>
-                </a:solidFill>
-              </a:rPr>
-              <a:t> </a:t>
-            </a:r>
-            <a:r>
-              <a:rPr lang="ru-RU" dirty="0">
-                <a:solidFill>
-                  <a:srgbClr val="FF0000"/>
-                </a:solidFill>
-              </a:rPr>
-              <a:t>Рассказать по примеру</a:t>
-            </a:r>
-            <a:r>
-              <a:rPr lang="ru-RU" dirty="0" smtClean="0">
-                <a:solidFill>
-                  <a:srgbClr val="FF0000"/>
-                </a:solidFill>
-              </a:rPr>
-              <a:t>.</a:t>
             </a:r>
             <a:endParaRPr lang="ru-RU" dirty="0">
               <a:solidFill>
@@ -3456,7 +3403,7 @@
     </p:spTree>
     <p:extLst>
       <p:ext uri="{BB962C8B-B14F-4D97-AF65-F5344CB8AC3E}">
-        <p14:creationId xmlns:p14="http://schemas.microsoft.com/office/powerpoint/2010/main" val="200264904"/>
+        <p14:creationId xmlns:p14="http://schemas.microsoft.com/office/powerpoint/2010/main" val="3025560446"/>
       </p:ext>
     </p:extLst>
   </p:cSld>
@@ -3500,28 +3447,104 @@
           <a:p>
             <a:pPr algn="ctr"/>
             <a:r>
-              <a:rPr lang="ru-RU" altLang="ru-RU" dirty="0">
-                <a:solidFill>
-                  <a:srgbClr val="000000"/>
+              <a:rPr lang="en-US" dirty="0" smtClean="0"/>
+              <a:t>Arrays</a:t>
+            </a:r>
+            <a:r>
+              <a:rPr lang="ru-RU" dirty="0" smtClean="0"/>
+              <a:t> </a:t>
+            </a:r>
+            <a:r>
+              <a:rPr lang="en-US" dirty="0">
+                <a:solidFill>
+                  <a:srgbClr val="FF0000"/>
                 </a:solidFill>
               </a:rPr>
-              <a:t>Иерархия </a:t>
-            </a:r>
-            <a:r>
-              <a:rPr lang="en-US" altLang="ru-RU" dirty="0">
-                <a:solidFill>
-                  <a:srgbClr val="000000"/>
+              <a:t>TODO </a:t>
+            </a:r>
+            <a:r>
+              <a:rPr lang="ru-RU" dirty="0">
+                <a:solidFill>
+                  <a:srgbClr val="FF0000"/>
                 </a:solidFill>
               </a:rPr>
-              <a:t>Containers</a:t>
-            </a:r>
+              <a:t>Нужно</a:t>
+            </a:r>
+            <a:r>
+              <a:rPr lang="ru-RU" dirty="0" smtClean="0">
+                <a:solidFill>
+                  <a:srgbClr val="FF0000"/>
+                </a:solidFill>
+              </a:rPr>
+              <a:t>?</a:t>
+            </a:r>
+            <a:endParaRPr lang="ru-RU" dirty="0"/>
+          </a:p>
+        </p:txBody>
+      </p:sp>
+      <p:sp>
+        <p:nvSpPr>
+          <p:cNvPr id="3" name="Объект 2"/>
+          <p:cNvSpPr>
+            <a:spLocks noGrp="1"/>
+          </p:cNvSpPr>
+          <p:nvPr>
+            <p:ph idx="1"/>
+          </p:nvPr>
+        </p:nvSpPr>
+        <p:spPr>
+          <a:xfrm>
+            <a:off x="838200" y="1825625"/>
+            <a:ext cx="10515600" cy="3777012"/>
+          </a:xfrm>
+        </p:spPr>
+        <p:txBody>
+          <a:bodyPr/>
+          <a:lstStyle/>
+          <a:p>
+            <a:pPr marL="0" indent="0" algn="just">
+              <a:buNone/>
+            </a:pPr>
+            <a:r>
+              <a:rPr lang="ru-RU" dirty="0"/>
+              <a:t>Массив - это структура данных, в которой хранятся величины одинакового </a:t>
+            </a:r>
+            <a:r>
+              <a:rPr lang="ru-RU" dirty="0" smtClean="0"/>
+              <a:t>типа. </a:t>
+            </a:r>
+            <a:endParaRPr lang="ru-RU" dirty="0" smtClean="0"/>
+          </a:p>
+          <a:p>
+            <a:pPr marL="0" indent="0" algn="just">
+              <a:buNone/>
+            </a:pPr>
+            <a:r>
+              <a:rPr lang="ru-RU" dirty="0" smtClean="0"/>
+              <a:t>Доступ </a:t>
+            </a:r>
+            <a:r>
+              <a:rPr lang="ru-RU" dirty="0" smtClean="0"/>
+              <a:t>к отдельному элементу массива осуществляется по целочисленному индексу.</a:t>
+            </a:r>
+          </a:p>
+          <a:p>
+            <a:pPr marL="0" indent="0" algn="just">
+              <a:buNone/>
+            </a:pPr>
+            <a:endParaRPr lang="ru-RU" dirty="0" smtClean="0"/>
+          </a:p>
+          <a:p>
+            <a:pPr marL="0" indent="0" algn="just">
+              <a:buNone/>
+            </a:pPr>
             <a:endParaRPr lang="ru-RU" dirty="0"/>
           </a:p>
         </p:txBody>
       </p:sp>
       <p:pic>
         <p:nvPicPr>
-          <p:cNvPr id="5" name="Picture 2"/>
+          <p:cNvPr id="4098" name="Picture 2"/>
           <p:cNvPicPr>
             <a:picLocks noChangeAspect="1" noChangeArrowheads="1"/>
           </p:cNvPicPr>
@@ -3542,8 +3565,8 @@
         </p:blipFill>
         <p:spPr bwMode="auto">
           <a:xfrm>
-            <a:off x="1263112" y="1526584"/>
-            <a:ext cx="9725186" cy="4675188"/>
+            <a:off x="1678175" y="3742839"/>
+            <a:ext cx="3382022" cy="891799"/>
           </a:xfrm>
           <a:prstGeom prst="rect">
             <a:avLst/>
@@ -3552,6 +3575,7 @@
           <a:ln>
             <a:noFill/>
           </a:ln>
+          <a:effectLst/>
           <a:extLst>
             <a:ext uri="{909E8E84-426E-40DD-AFC4-6F175D3DCCD1}">
               <a14:hiddenFill xmlns:a14="http://schemas.microsoft.com/office/drawing/2010/main">
@@ -3569,6 +3593,79 @@
                 <a:headEnd/>
                 <a:tailEnd/>
               </a14:hiddenLine>
+            </a:ext>
+            <a:ext uri="{AF507438-7753-43E0-B8FC-AC1667EBCBE1}">
+              <a14:hiddenEffects xmlns:a14="http://schemas.microsoft.com/office/drawing/2010/main">
+                <a:effectLst>
+                  <a:outerShdw dist="35921" dir="2700000" algn="ctr" rotWithShape="0">
+                    <a:schemeClr val="bg2"/>
+                  </a:outerShdw>
+                </a:effectLst>
+              </a14:hiddenEffects>
+            </a:ext>
+          </a:extLst>
+        </p:spPr>
+      </p:pic>
+      <p:pic>
+        <p:nvPicPr>
+          <p:cNvPr id="4099" name="Picture 3"/>
+          <p:cNvPicPr>
+            <a:picLocks noChangeAspect="1" noChangeArrowheads="1"/>
+          </p:cNvPicPr>
+          <p:nvPr/>
+        </p:nvPicPr>
+        <p:blipFill>
+          <a:blip r:embed="rId3">
+            <a:extLst>
+              <a:ext uri="{28A0092B-C50C-407E-A947-70E740481C1C}">
+                <a14:useLocalDpi xmlns:a14="http://schemas.microsoft.com/office/drawing/2010/main" val="0"/>
+              </a:ext>
+            </a:extLst>
+          </a:blip>
+          <a:srcRect/>
+          <a:stretch>
+            <a:fillRect/>
+          </a:stretch>
+        </p:blipFill>
+        <p:spPr bwMode="auto">
+          <a:xfrm>
+            <a:off x="5478651" y="3742839"/>
+            <a:ext cx="6132566" cy="2877741"/>
+          </a:xfrm>
+          <a:prstGeom prst="rect">
+            <a:avLst/>
+          </a:prstGeom>
+          <a:noFill/>
+          <a:ln>
+            <a:noFill/>
+          </a:ln>
+          <a:effectLst/>
+          <a:extLst>
+            <a:ext uri="{909E8E84-426E-40DD-AFC4-6F175D3DCCD1}">
+              <a14:hiddenFill xmlns:a14="http://schemas.microsoft.com/office/drawing/2010/main">
+                <a:solidFill>
+                  <a:schemeClr val="accent1"/>
+                </a:solidFill>
+              </a14:hiddenFill>
+            </a:ext>
+            <a:ext uri="{91240B29-F687-4F45-9708-019B960494DF}">
+              <a14:hiddenLine xmlns:a14="http://schemas.microsoft.com/office/drawing/2010/main" w="9525">
+                <a:solidFill>
+                  <a:schemeClr val="tx1"/>
+                </a:solidFill>
+                <a:miter lim="800000"/>
+                <a:headEnd/>
+                <a:tailEnd/>
+              </a14:hiddenLine>
+            </a:ext>
+            <a:ext uri="{AF507438-7753-43E0-B8FC-AC1667EBCBE1}">
+              <a14:hiddenEffects xmlns:a14="http://schemas.microsoft.com/office/drawing/2010/main">
+                <a:effectLst>
+                  <a:outerShdw dist="35921" dir="2700000" algn="ctr" rotWithShape="0">
+                    <a:schemeClr val="bg2"/>
+                  </a:outerShdw>
+                </a:effectLst>
+              </a14:hiddenEffects>
             </a:ext>
           </a:extLst>
         </p:spPr>
@@ -3576,7 +3673,7 @@
     </p:spTree>
     <p:extLst>
       <p:ext uri="{BB962C8B-B14F-4D97-AF65-F5344CB8AC3E}">
-        <p14:creationId xmlns:p14="http://schemas.microsoft.com/office/powerpoint/2010/main" val="2758282803"/>
+        <p14:creationId xmlns:p14="http://schemas.microsoft.com/office/powerpoint/2010/main" val="1514625228"/>
       </p:ext>
     </p:extLst>
   </p:cSld>
@@ -3620,20 +3717,12 @@
           <a:p>
             <a:pPr algn="ctr"/>
             <a:r>
-              <a:rPr lang="en-US" dirty="0" err="1" smtClean="0"/>
-              <a:t>ArrayList</a:t>
-            </a:r>
-            <a:r>
-              <a:rPr lang="en-US" dirty="0" smtClean="0"/>
-              <a:t> </a:t>
-            </a:r>
-            <a:r>
-              <a:rPr lang="ru-RU" dirty="0" smtClean="0"/>
-              <a:t>и </a:t>
-            </a:r>
-            <a:r>
-              <a:rPr lang="en-US" dirty="0" err="1" smtClean="0"/>
-              <a:t>LinkedList</a:t>
+              <a:rPr lang="en-US" altLang="ru-RU" dirty="0">
+                <a:solidFill>
+                  <a:srgbClr val="000000"/>
+                </a:solidFill>
+              </a:rPr>
+              <a:t>Collections API</a:t>
             </a:r>
             <a:endParaRPr lang="ru-RU" dirty="0"/>
           </a:p>
@@ -3654,14 +3743,240 @@
           <a:bodyPr/>
           <a:lstStyle/>
           <a:p>
-            <a:endParaRPr lang="ru-RU" dirty="0"/>
+            <a:pPr marL="457200" indent="-457200">
+              <a:spcBef>
+                <a:spcPts val="0"/>
+              </a:spcBef>
+              <a:defRPr/>
+            </a:pPr>
+            <a:r>
+              <a:rPr lang="ru-RU" dirty="0">
+                <a:solidFill>
+                  <a:sysClr val="windowText" lastClr="000000"/>
+                </a:solidFill>
+              </a:rPr>
+              <a:t>Контейнеры до </a:t>
+            </a:r>
+            <a:r>
+              <a:rPr lang="en-US" dirty="0">
+                <a:solidFill>
+                  <a:sysClr val="windowText" lastClr="000000"/>
+                </a:solidFill>
+              </a:rPr>
+              <a:t>Java 1.5 (</a:t>
+            </a:r>
+            <a:r>
+              <a:rPr lang="ru-RU" dirty="0" err="1">
+                <a:solidFill>
+                  <a:sysClr val="windowText" lastClr="000000"/>
+                </a:solidFill>
+              </a:rPr>
+              <a:t>нетипизированная</a:t>
+            </a:r>
+            <a:r>
+              <a:rPr lang="ru-RU" dirty="0">
+                <a:solidFill>
+                  <a:sysClr val="windowText" lastClr="000000"/>
+                </a:solidFill>
+              </a:rPr>
+              <a:t> коллекция</a:t>
+            </a:r>
+            <a:r>
+              <a:rPr lang="en-US" dirty="0" smtClean="0">
+                <a:solidFill>
+                  <a:sysClr val="windowText" lastClr="000000"/>
+                </a:solidFill>
+              </a:rPr>
+              <a:t>)</a:t>
+            </a:r>
+            <a:endParaRPr lang="en-US" dirty="0">
+              <a:solidFill>
+                <a:sysClr val="windowText" lastClr="000000"/>
+              </a:solidFill>
+            </a:endParaRPr>
+          </a:p>
+          <a:p>
+            <a:pPr marL="457200" indent="-457200">
+              <a:spcBef>
+                <a:spcPts val="0"/>
+              </a:spcBef>
+              <a:defRPr/>
+            </a:pPr>
+            <a:r>
+              <a:rPr lang="ru-RU" dirty="0">
+                <a:solidFill>
+                  <a:sysClr val="windowText" lastClr="000000"/>
+                </a:solidFill>
+              </a:rPr>
+              <a:t>Типизированные контейнеры (</a:t>
+            </a:r>
+            <a:r>
+              <a:rPr lang="en-US" dirty="0">
+                <a:solidFill>
+                  <a:sysClr val="windowText" lastClr="000000"/>
+                </a:solidFill>
+              </a:rPr>
+              <a:t>Generics)</a:t>
+            </a:r>
+          </a:p>
+          <a:p>
+            <a:pPr marL="457200" indent="-457200">
+              <a:spcBef>
+                <a:spcPts val="0"/>
+              </a:spcBef>
+              <a:defRPr/>
+            </a:pPr>
+            <a:r>
+              <a:rPr lang="ru-RU" dirty="0">
+                <a:solidFill>
+                  <a:sysClr val="windowText" lastClr="000000"/>
+                </a:solidFill>
+              </a:rPr>
+              <a:t>Основные концепции:</a:t>
+            </a:r>
+            <a:endParaRPr lang="en-US" dirty="0">
+              <a:solidFill>
+                <a:sysClr val="windowText" lastClr="000000"/>
+              </a:solidFill>
+            </a:endParaRPr>
+          </a:p>
+          <a:p>
+            <a:pPr marL="0" lvl="8" indent="0">
+              <a:spcBef>
+                <a:spcPts val="0"/>
+              </a:spcBef>
+              <a:buNone/>
+              <a:defRPr/>
+            </a:pPr>
+            <a:r>
+              <a:rPr lang="en-US" sz="2800" dirty="0">
+                <a:solidFill>
+                  <a:sysClr val="windowText" lastClr="000000"/>
+                </a:solidFill>
+              </a:rPr>
+              <a:t>	List</a:t>
+            </a:r>
+            <a:endParaRPr lang="ru-RU" sz="2800" dirty="0">
+              <a:solidFill>
+                <a:sysClr val="windowText" lastClr="000000"/>
+              </a:solidFill>
+            </a:endParaRPr>
+          </a:p>
+          <a:p>
+            <a:pPr marL="0" lvl="8" indent="0">
+              <a:spcBef>
+                <a:spcPts val="0"/>
+              </a:spcBef>
+              <a:buNone/>
+              <a:defRPr/>
+            </a:pPr>
+            <a:r>
+              <a:rPr lang="ru-RU" sz="2800" dirty="0">
+                <a:solidFill>
+                  <a:sysClr val="windowText" lastClr="000000"/>
+                </a:solidFill>
+              </a:rPr>
+              <a:t>	</a:t>
+            </a:r>
+            <a:r>
+              <a:rPr lang="en-US" sz="2800" dirty="0">
+                <a:solidFill>
+                  <a:sysClr val="windowText" lastClr="000000"/>
+                </a:solidFill>
+              </a:rPr>
+              <a:t>Set</a:t>
+            </a:r>
+          </a:p>
+          <a:p>
+            <a:pPr marL="0" lvl="8" indent="0">
+              <a:spcBef>
+                <a:spcPts val="0"/>
+              </a:spcBef>
+              <a:buNone/>
+              <a:defRPr/>
+            </a:pPr>
+            <a:r>
+              <a:rPr lang="en-US" sz="2800" dirty="0">
+                <a:solidFill>
+                  <a:sysClr val="windowText" lastClr="000000"/>
+                </a:solidFill>
+              </a:rPr>
+              <a:t>	Queue</a:t>
+            </a:r>
+          </a:p>
+          <a:p>
+            <a:pPr marL="0" lvl="4" indent="0">
+              <a:spcBef>
+                <a:spcPts val="0"/>
+              </a:spcBef>
+              <a:buNone/>
+              <a:defRPr/>
+            </a:pPr>
+            <a:r>
+              <a:rPr lang="en-US" sz="2800" dirty="0">
+                <a:solidFill>
+                  <a:sysClr val="windowText" lastClr="000000"/>
+                </a:solidFill>
+              </a:rPr>
+              <a:t>	</a:t>
+            </a:r>
+            <a:r>
+              <a:rPr lang="en-US" sz="2800" dirty="0" smtClean="0">
+                <a:solidFill>
+                  <a:sysClr val="windowText" lastClr="000000"/>
+                </a:solidFill>
+              </a:rPr>
+              <a:t>Map</a:t>
+            </a:r>
+            <a:endParaRPr lang="ru-RU" sz="2800" dirty="0">
+              <a:solidFill>
+                <a:sysClr val="windowText" lastClr="000000"/>
+              </a:solidFill>
+            </a:endParaRPr>
+          </a:p>
+          <a:p>
+            <a:pPr marL="457200" indent="-457200">
+              <a:spcBef>
+                <a:spcPts val="0"/>
+              </a:spcBef>
+              <a:defRPr/>
+            </a:pPr>
+            <a:r>
+              <a:rPr lang="en-US" dirty="0">
+                <a:solidFill>
+                  <a:sysClr val="windowText" lastClr="000000"/>
+                </a:solidFill>
+              </a:rPr>
+              <a:t>Custom Collections (</a:t>
+            </a:r>
+            <a:r>
+              <a:rPr lang="en-US" dirty="0" err="1">
+                <a:solidFill>
+                  <a:sysClr val="windowText" lastClr="000000"/>
+                </a:solidFill>
+              </a:rPr>
+              <a:t>AbstractCollection</a:t>
+            </a:r>
+            <a:r>
+              <a:rPr lang="en-US" dirty="0" smtClean="0">
+                <a:solidFill>
+                  <a:sysClr val="windowText" lastClr="000000"/>
+                </a:solidFill>
+              </a:rPr>
+              <a:t>)</a:t>
+            </a:r>
+            <a:endParaRPr lang="ru-RU" dirty="0">
+              <a:solidFill>
+                <a:sysClr val="windowText" lastClr="000000"/>
+              </a:solidFill>
+            </a:endParaRPr>
           </a:p>
         </p:txBody>
       </p:sp>
     </p:spTree>
     <p:extLst>
       <p:ext uri="{BB962C8B-B14F-4D97-AF65-F5344CB8AC3E}">
-        <p14:creationId xmlns:p14="http://schemas.microsoft.com/office/powerpoint/2010/main" val="1729408885"/>
+        <p14:creationId xmlns:p14="http://schemas.microsoft.com/office/powerpoint/2010/main" val="1611366271"/>
       </p:ext>
     </p:extLst>
   </p:cSld>
@@ -3705,36 +4020,83 @@
           <a:p>
             <a:pPr algn="ctr"/>
             <a:r>
-              <a:rPr lang="en-US" dirty="0" err="1" smtClean="0"/>
-              <a:t>HashSet</a:t>
+              <a:rPr lang="ru-RU" altLang="ru-RU" dirty="0">
+                <a:solidFill>
+                  <a:srgbClr val="000000"/>
+                </a:solidFill>
+              </a:rPr>
+              <a:t>Иерархия </a:t>
+            </a:r>
+            <a:r>
+              <a:rPr lang="en-US" altLang="ru-RU" dirty="0">
+                <a:solidFill>
+                  <a:srgbClr val="000000"/>
+                </a:solidFill>
+              </a:rPr>
+              <a:t>Containers</a:t>
             </a:r>
             <a:endParaRPr lang="ru-RU" dirty="0"/>
           </a:p>
         </p:txBody>
       </p:sp>
-      <p:sp>
-        <p:nvSpPr>
-          <p:cNvPr id="3" name="Объект 2"/>
-          <p:cNvSpPr>
-            <a:spLocks noGrp="1"/>
-          </p:cNvSpPr>
-          <p:nvPr>
-            <p:ph idx="1"/>
-          </p:nvPr>
-        </p:nvSpPr>
-        <p:spPr/>
-        <p:txBody>
-          <a:bodyPr/>
-          <a:lstStyle/>
-          <a:p>
-            <a:endParaRPr lang="ru-RU"/>
-          </a:p>
-        </p:txBody>
-      </p:sp>
+      <p:pic>
+        <p:nvPicPr>
+          <p:cNvPr id="5" name="Picture 2"/>
+          <p:cNvPicPr>
+            <a:picLocks noChangeAspect="1" noChangeArrowheads="1"/>
+          </p:cNvPicPr>
+          <p:nvPr/>
+        </p:nvPicPr>
+        <p:blipFill>
+          <a:blip r:embed="rId2">
+            <a:extLst>
+              <a:ext uri="{28A0092B-C50C-407E-A947-70E740481C1C}">
+                <a14:useLocalDpi xmlns:a14="http://schemas.microsoft.com/office/drawing/2010/main" val="0"/>
+              </a:ext>
+            </a:extLst>
+          </a:blip>
+          <a:srcRect/>
+          <a:stretch>
+            <a:fillRect/>
+          </a:stretch>
+        </p:blipFill>
+        <p:spPr bwMode="auto">
+          <a:xfrm>
+            <a:off x="1263112" y="1526584"/>
+            <a:ext cx="9725186" cy="4675188"/>
+          </a:xfrm>
+          <a:prstGeom prst="rect">
+            <a:avLst/>
+          </a:prstGeom>
+          <a:noFill/>
+          <a:ln>
+            <a:noFill/>
+          </a:ln>
+          <a:extLst>
+            <a:ext uri="{909E8E84-426E-40DD-AFC4-6F175D3DCCD1}">
+              <a14:hiddenFill xmlns:a14="http://schemas.microsoft.com/office/drawing/2010/main">
+                <a:solidFill>
+                  <a:schemeClr val="accent1"/>
+                </a:solidFill>
+              </a14:hiddenFill>
+            </a:ext>
+            <a:ext uri="{91240B29-F687-4F45-9708-019B960494DF}">
+              <a14:hiddenLine xmlns:a14="http://schemas.microsoft.com/office/drawing/2010/main" w="9525">
+                <a:solidFill>
+                  <a:schemeClr val="tx1"/>
+                </a:solidFill>
+                <a:miter lim="800000"/>
+                <a:headEnd/>
+                <a:tailEnd/>
+              </a14:hiddenLine>
+            </a:ext>
+          </a:extLst>
+        </p:spPr>
+      </p:pic>
     </p:spTree>
     <p:extLst>
       <p:ext uri="{BB962C8B-B14F-4D97-AF65-F5344CB8AC3E}">
-        <p14:creationId xmlns:p14="http://schemas.microsoft.com/office/powerpoint/2010/main" val="1677045544"/>
+        <p14:creationId xmlns:p14="http://schemas.microsoft.com/office/powerpoint/2010/main" val="2758282803"/>
       </p:ext>
     </p:extLst>
   </p:cSld>
@@ -3779,7 +4141,7 @@
             <a:pPr algn="ctr"/>
             <a:r>
               <a:rPr lang="en-US" dirty="0" err="1" smtClean="0"/>
-              <a:t>HashMap</a:t>
+              <a:t>ArrayList</a:t>
             </a:r>
             <a:endParaRPr lang="ru-RU" dirty="0"/>
           </a:p>
@@ -3807,7 +4169,7 @@
     </p:spTree>
     <p:extLst>
       <p:ext uri="{BB962C8B-B14F-4D97-AF65-F5344CB8AC3E}">
-        <p14:creationId xmlns:p14="http://schemas.microsoft.com/office/powerpoint/2010/main" val="3404365856"/>
+        <p14:creationId xmlns:p14="http://schemas.microsoft.com/office/powerpoint/2010/main" val="1933361062"/>
       </p:ext>
     </p:extLst>
   </p:cSld>
@@ -3851,60 +4213,36 @@
           <a:p>
             <a:pPr algn="ctr"/>
             <a:r>
-              <a:rPr lang="ru-RU" dirty="0" smtClean="0"/>
-              <a:t>Алгоритмическая сложность</a:t>
+              <a:rPr lang="en-US" dirty="0" err="1" smtClean="0"/>
+              <a:t>LinkedList</a:t>
             </a:r>
             <a:endParaRPr lang="ru-RU" dirty="0"/>
           </a:p>
         </p:txBody>
       </p:sp>
-      <p:pic>
-        <p:nvPicPr>
-          <p:cNvPr id="3074" name="Picture 2" descr="C:\Users\dmitr\Desktop\364d7e41907e453b8e60128cdac459dc.png"/>
-          <p:cNvPicPr>
-            <a:picLocks noGrp="1" noChangeAspect="1" noChangeArrowheads="1"/>
-          </p:cNvPicPr>
+      <p:sp>
+        <p:nvSpPr>
+          <p:cNvPr id="3" name="Объект 2"/>
+          <p:cNvSpPr>
+            <a:spLocks noGrp="1"/>
+          </p:cNvSpPr>
           <p:nvPr>
             <p:ph idx="1"/>
           </p:nvPr>
-        </p:nvPicPr>
-        <p:blipFill>
-          <a:blip r:embed="rId2">
-            <a:extLst>
-              <a:ext uri="{28A0092B-C50C-407E-A947-70E740481C1C}">
-                <a14:useLocalDpi xmlns:a14="http://schemas.microsoft.com/office/drawing/2010/main" val="0"/>
-              </a:ext>
-            </a:extLst>
-          </a:blip>
-          <a:srcRect/>
-          <a:stretch>
-            <a:fillRect/>
-          </a:stretch>
-        </p:blipFill>
-        <p:spPr bwMode="auto">
-          <a:xfrm>
-            <a:off x="2178540" y="2261611"/>
-            <a:ext cx="7834920" cy="3479365"/>
-          </a:xfrm>
-          <a:prstGeom prst="rect">
-            <a:avLst/>
-          </a:prstGeom>
-          <a:noFill/>
-          <a:extLst>
-            <a:ext uri="{909E8E84-426E-40DD-AFC4-6F175D3DCCD1}">
-              <a14:hiddenFill xmlns:a14="http://schemas.microsoft.com/office/drawing/2010/main">
-                <a:solidFill>
-                  <a:srgbClr val="FFFFFF"/>
-                </a:solidFill>
-              </a14:hiddenFill>
-            </a:ext>
-          </a:extLst>
-        </p:spPr>
-      </p:pic>
+        </p:nvSpPr>
+        <p:spPr/>
+        <p:txBody>
+          <a:bodyPr/>
+          <a:lstStyle/>
+          <a:p>
+            <a:endParaRPr lang="ru-RU" dirty="0"/>
+          </a:p>
+        </p:txBody>
+      </p:sp>
     </p:spTree>
     <p:extLst>
       <p:ext uri="{BB962C8B-B14F-4D97-AF65-F5344CB8AC3E}">
-        <p14:creationId xmlns:p14="http://schemas.microsoft.com/office/powerpoint/2010/main" val="1283814433"/>
+        <p14:creationId xmlns:p14="http://schemas.microsoft.com/office/powerpoint/2010/main" val="1729408885"/>
       </p:ext>
     </p:extLst>
   </p:cSld>
@@ -3946,7 +4284,12 @@
           <a:bodyPr/>
           <a:lstStyle/>
           <a:p>
-            <a:endParaRPr lang="ru-RU"/>
+            <a:pPr algn="ctr"/>
+            <a:r>
+              <a:rPr lang="en-US" dirty="0" err="1" smtClean="0"/>
+              <a:t>HashSet</a:t>
+            </a:r>
+            <a:endParaRPr lang="ru-RU" dirty="0"/>
           </a:p>
         </p:txBody>
       </p:sp>
@@ -3972,7 +4315,7 @@
     </p:spTree>
     <p:extLst>
       <p:ext uri="{BB962C8B-B14F-4D97-AF65-F5344CB8AC3E}">
-        <p14:creationId xmlns:p14="http://schemas.microsoft.com/office/powerpoint/2010/main" val="238871465"/>
+        <p14:creationId xmlns:p14="http://schemas.microsoft.com/office/powerpoint/2010/main" val="1677045544"/>
       </p:ext>
     </p:extLst>
   </p:cSld>
@@ -4014,7 +4357,12 @@
           <a:bodyPr/>
           <a:lstStyle/>
           <a:p>
-            <a:endParaRPr lang="ru-RU"/>
+            <a:pPr algn="ctr"/>
+            <a:r>
+              <a:rPr lang="en-US" dirty="0" err="1" smtClean="0"/>
+              <a:t>HashMap</a:t>
+            </a:r>
+            <a:endParaRPr lang="ru-RU" dirty="0"/>
           </a:p>
         </p:txBody>
       </p:sp>
@@ -4033,14 +4381,14 @@
           <a:bodyPr/>
           <a:lstStyle/>
           <a:p>
-            <a:endParaRPr lang="ru-RU"/>
+            <a:endParaRPr lang="ru-RU" dirty="0"/>
           </a:p>
         </p:txBody>
       </p:sp>
     </p:spTree>
     <p:extLst>
       <p:ext uri="{BB962C8B-B14F-4D97-AF65-F5344CB8AC3E}">
-        <p14:creationId xmlns:p14="http://schemas.microsoft.com/office/powerpoint/2010/main" val="582770785"/>
+        <p14:creationId xmlns:p14="http://schemas.microsoft.com/office/powerpoint/2010/main" val="3404365856"/>
       </p:ext>
     </p:extLst>
   </p:cSld>
@@ -4082,101 +4430,66 @@
           <a:bodyPr/>
           <a:lstStyle/>
           <a:p>
-            <a:endParaRPr lang="ru-RU"/>
-          </a:p>
-        </p:txBody>
-      </p:sp>
-      <p:sp>
-        <p:nvSpPr>
-          <p:cNvPr id="3" name="Объект 2"/>
-          <p:cNvSpPr>
-            <a:spLocks noGrp="1"/>
-          </p:cNvSpPr>
+            <a:pPr algn="ctr"/>
+            <a:r>
+              <a:rPr lang="ru-RU" dirty="0" smtClean="0"/>
+              <a:t>Алгоритмическая </a:t>
+            </a:r>
+            <a:r>
+              <a:rPr lang="ru-RU" dirty="0" smtClean="0"/>
+              <a:t>сложность основных операций</a:t>
+            </a:r>
+            <a:endParaRPr lang="ru-RU" dirty="0"/>
+          </a:p>
+        </p:txBody>
+      </p:sp>
+      <p:pic>
+        <p:nvPicPr>
+          <p:cNvPr id="3074" name="Picture 2" descr="C:\Users\dmitr\Desktop\364d7e41907e453b8e60128cdac459dc.png"/>
+          <p:cNvPicPr>
+            <a:picLocks noGrp="1" noChangeAspect="1" noChangeArrowheads="1"/>
+          </p:cNvPicPr>
           <p:nvPr>
             <p:ph idx="1"/>
           </p:nvPr>
-        </p:nvSpPr>
-        <p:spPr/>
-        <p:txBody>
-          <a:bodyPr/>
-          <a:lstStyle/>
-          <a:p>
-            <a:endParaRPr lang="ru-RU"/>
-          </a:p>
-        </p:txBody>
-      </p:sp>
+        </p:nvPicPr>
+        <p:blipFill>
+          <a:blip r:embed="rId2">
+            <a:extLst>
+              <a:ext uri="{28A0092B-C50C-407E-A947-70E740481C1C}">
+                <a14:useLocalDpi xmlns:a14="http://schemas.microsoft.com/office/drawing/2010/main" val="0"/>
+              </a:ext>
+            </a:extLst>
+          </a:blip>
+          <a:srcRect/>
+          <a:stretch>
+            <a:fillRect/>
+          </a:stretch>
+        </p:blipFill>
+        <p:spPr bwMode="auto">
+          <a:xfrm>
+            <a:off x="2178540" y="2261611"/>
+            <a:ext cx="7834920" cy="3479365"/>
+          </a:xfrm>
+          <a:prstGeom prst="rect">
+            <a:avLst/>
+          </a:prstGeom>
+          <a:noFill/>
+          <a:extLst>
+            <a:ext uri="{909E8E84-426E-40DD-AFC4-6F175D3DCCD1}">
+              <a14:hiddenFill xmlns:a14="http://schemas.microsoft.com/office/drawing/2010/main">
+                <a:solidFill>
+                  <a:srgbClr val="FFFFFF"/>
+                </a:solidFill>
+              </a14:hiddenFill>
+            </a:ext>
+          </a:extLst>
+        </p:spPr>
+      </p:pic>
     </p:spTree>
     <p:extLst>
       <p:ext uri="{BB962C8B-B14F-4D97-AF65-F5344CB8AC3E}">
-        <p14:creationId xmlns:p14="http://schemas.microsoft.com/office/powerpoint/2010/main" val="4263085077"/>
-      </p:ext>
-    </p:extLst>
-  </p:cSld>
-  <p:clrMapOvr>
-    <a:masterClrMapping/>
-  </p:clrMapOvr>
-</p:sld>
-</file>
-
-<file path=ppt/slides/slide18.xml><?xml version="1.0" encoding="utf-8"?>
-<p:sld xmlns:a="http://schemas.openxmlformats.org/drawingml/2006/main" xmlns:r="http://schemas.openxmlformats.org/officeDocument/2006/relationships" xmlns:p="http://schemas.openxmlformats.org/presentationml/2006/main">
-  <p:cSld>
-    <p:spTree>
-      <p:nvGrpSpPr>
-        <p:cNvPr id="1" name=""/>
-        <p:cNvGrpSpPr/>
-        <p:nvPr/>
-      </p:nvGrpSpPr>
-      <p:grpSpPr>
-        <a:xfrm>
-          <a:off x="0" y="0"/>
-          <a:ext cx="0" cy="0"/>
-          <a:chOff x="0" y="0"/>
-          <a:chExt cx="0" cy="0"/>
-        </a:xfrm>
-      </p:grpSpPr>
-      <p:sp>
-        <p:nvSpPr>
-          <p:cNvPr id="2" name="Заголовок 1"/>
-          <p:cNvSpPr>
-            <a:spLocks noGrp="1"/>
-          </p:cNvSpPr>
-          <p:nvPr>
-            <p:ph type="title"/>
-          </p:nvPr>
-        </p:nvSpPr>
-        <p:spPr/>
-        <p:txBody>
-          <a:bodyPr/>
-          <a:lstStyle/>
-          <a:p>
-            <a:endParaRPr lang="ru-RU"/>
-          </a:p>
-        </p:txBody>
-      </p:sp>
-      <p:sp>
-        <p:nvSpPr>
-          <p:cNvPr id="3" name="Объект 2"/>
-          <p:cNvSpPr>
-            <a:spLocks noGrp="1"/>
-          </p:cNvSpPr>
-          <p:nvPr>
-            <p:ph idx="1"/>
-          </p:nvPr>
-        </p:nvSpPr>
-        <p:spPr/>
-        <p:txBody>
-          <a:bodyPr/>
-          <a:lstStyle/>
-          <a:p>
-            <a:endParaRPr lang="ru-RU"/>
-          </a:p>
-        </p:txBody>
-      </p:sp>
-    </p:spTree>
-    <p:extLst>
-      <p:ext uri="{BB962C8B-B14F-4D97-AF65-F5344CB8AC3E}">
-        <p14:creationId xmlns:p14="http://schemas.microsoft.com/office/powerpoint/2010/main" val="2636039039"/>
+        <p14:creationId xmlns:p14="http://schemas.microsoft.com/office/powerpoint/2010/main" val="1283814433"/>
       </p:ext>
     </p:extLst>
   </p:cSld>
@@ -4263,47 +4576,7 @@
                   <a:srgbClr val="FF0000"/>
                 </a:solidFill>
               </a:rPr>
-              <a:t>Добавить </a:t>
-            </a:r>
-            <a:r>
-              <a:rPr lang="en-US" dirty="0" err="1" smtClean="0">
-                <a:solidFill>
-                  <a:srgbClr val="FF0000"/>
-                </a:solidFill>
-              </a:rPr>
-              <a:t>Enum</a:t>
-            </a:r>
-            <a:r>
-              <a:rPr lang="ru-RU" dirty="0" smtClean="0">
-                <a:solidFill>
-                  <a:srgbClr val="FF0000"/>
-                </a:solidFill>
-              </a:rPr>
-              <a:t>.</a:t>
-            </a:r>
-            <a:r>
-              <a:rPr lang="en-US" dirty="0" smtClean="0">
-                <a:solidFill>
-                  <a:srgbClr val="FF0000"/>
-                </a:solidFill>
-              </a:rPr>
-              <a:t> </a:t>
-            </a:r>
-            <a:r>
-              <a:rPr lang="ru-RU" dirty="0">
-                <a:solidFill>
-                  <a:srgbClr val="FF0000"/>
-                </a:solidFill>
-              </a:rPr>
-              <a:t>Р</a:t>
-            </a:r>
-            <a:r>
-              <a:rPr lang="ru-RU" dirty="0" smtClean="0">
-                <a:solidFill>
-                  <a:srgbClr val="FF0000"/>
-                </a:solidFill>
-              </a:rPr>
-              <a:t>ассказать по примеру.</a:t>
+              <a:t>Требуются?</a:t>
             </a:r>
             <a:endParaRPr lang="ru-RU" dirty="0">
               <a:solidFill>
@@ -4316,7 +4589,7 @@
     </p:spTree>
     <p:extLst>
       <p:ext uri="{BB962C8B-B14F-4D97-AF65-F5344CB8AC3E}">
-        <p14:creationId xmlns:p14="http://schemas.microsoft.com/office/powerpoint/2010/main" val="3025560446"/>
+        <p14:creationId xmlns:p14="http://schemas.microsoft.com/office/powerpoint/2010/main" val="622763747"/>
       </p:ext>
     </p:extLst>
   </p:cSld>
@@ -4360,104 +4633,542 @@
           <a:p>
             <a:pPr algn="ctr"/>
             <a:r>
+              <a:rPr lang="ru-RU" dirty="0"/>
+              <a:t>Интерфейс</a:t>
+            </a:r>
+            <a:endParaRPr lang="ru-RU" dirty="0"/>
+          </a:p>
+        </p:txBody>
+      </p:sp>
+      <p:sp>
+        <p:nvSpPr>
+          <p:cNvPr id="3" name="Объект 2"/>
+          <p:cNvSpPr>
+            <a:spLocks noGrp="1"/>
+          </p:cNvSpPr>
+          <p:nvPr>
+            <p:ph idx="1"/>
+          </p:nvPr>
+        </p:nvSpPr>
+        <p:spPr>
+          <a:xfrm>
+            <a:off x="776207" y="1565329"/>
+            <a:ext cx="10515600" cy="4115687"/>
+          </a:xfrm>
+        </p:spPr>
+        <p:txBody>
+          <a:bodyPr>
+            <a:normAutofit fontScale="47500" lnSpcReduction="20000"/>
+          </a:bodyPr>
+          <a:lstStyle/>
+          <a:p>
+            <a:pPr marL="1080" indent="0">
+              <a:lnSpc>
+                <a:spcPct val="200000"/>
+              </a:lnSpc>
+              <a:buClr>
+                <a:srgbClr val="000000"/>
+              </a:buClr>
+              <a:buNone/>
+            </a:pPr>
+            <a:r>
               <a:rPr lang="ru-RU" dirty="0" smtClean="0"/>
-              <a:t>Полиморфизм</a:t>
-            </a:r>
-            <a:endParaRPr lang="ru-RU" dirty="0"/>
-          </a:p>
-        </p:txBody>
-      </p:sp>
-      <p:sp>
-        <p:nvSpPr>
-          <p:cNvPr id="3" name="Объект 2"/>
-          <p:cNvSpPr>
-            <a:spLocks noGrp="1"/>
-          </p:cNvSpPr>
-          <p:nvPr>
-            <p:ph idx="1"/>
-          </p:nvPr>
-        </p:nvSpPr>
-        <p:spPr/>
-        <p:txBody>
-          <a:bodyPr/>
-          <a:lstStyle/>
-          <a:p>
+              <a:t>Интерфейс</a:t>
+            </a:r>
             <a:r>
               <a:rPr lang="ru-RU" dirty="0"/>
-              <a:t>Полиморфизм в </a:t>
-            </a:r>
-            <a:r>
-              <a:rPr lang="ru-RU" dirty="0" err="1"/>
+              <a:t> </a:t>
+            </a:r>
+            <a:r>
+              <a:rPr lang="ru-RU" dirty="0" smtClean="0"/>
+              <a:t>— это ссылочный тип в </a:t>
+            </a:r>
+            <a:r>
+              <a:rPr lang="ru-RU" dirty="0" err="1" smtClean="0"/>
               <a:t>Java</a:t>
             </a:r>
             <a:r>
+              <a:rPr lang="ru-RU" dirty="0" smtClean="0"/>
+              <a:t>, который </a:t>
+            </a:r>
+            <a:r>
               <a:rPr lang="ru-RU" dirty="0"/>
-              <a:t> — это способность объекта принимать различные формы. </a:t>
-            </a:r>
-            <a:endParaRPr lang="en-US" dirty="0" smtClean="0"/>
-          </a:p>
-          <a:p>
+              <a:t>определяет границу взаимодействия между классами или компонентами, специфицируя </a:t>
+            </a:r>
             <a:r>
               <a:rPr lang="ru-RU" dirty="0" smtClean="0"/>
-              <a:t>Наиболее </a:t>
+              <a:t>определенную </a:t>
             </a:r>
             <a:r>
               <a:rPr lang="ru-RU" dirty="0"/>
-              <a:t>распространенное использование полиморфизма в ООП происходит, когда ссылка на родительский класс используется для ссылки на объект дочернего класса.</a:t>
-            </a:r>
-          </a:p>
-          <a:p>
-            <a:r>
-              <a:rPr lang="ru-RU" dirty="0"/>
-              <a:t>Любой объект </a:t>
-            </a:r>
-            <a:r>
-              <a:rPr lang="ru-RU" dirty="0" err="1"/>
-              <a:t>Java</a:t>
-            </a:r>
-            <a:r>
-              <a:rPr lang="ru-RU" dirty="0"/>
-              <a:t>, который может пройти более одного теста </a:t>
-            </a:r>
-            <a:r>
-              <a:rPr lang="ru-RU" dirty="0">
-                <a:hlinkClick r:id="rId2"/>
+              <a:t>абстракцию, которую осуществляет реализующая сторона.  </a:t>
+            </a:r>
+            <a:endParaRPr lang="ru-RU" dirty="0" smtClean="0"/>
+          </a:p>
+          <a:p>
+            <a:pPr marL="1080" indent="0">
+              <a:lnSpc>
+                <a:spcPct val="200000"/>
+              </a:lnSpc>
+              <a:buClr>
+                <a:srgbClr val="000000"/>
+              </a:buClr>
+              <a:buNone/>
+            </a:pPr>
+            <a:r>
+              <a:rPr lang="ru-RU" spc="-1" dirty="0" smtClean="0">
+                <a:ea typeface="DejaVu Sans"/>
               </a:rPr>
-              <a:t>IS-A</a:t>
-            </a:r>
-            <a:r>
-              <a:rPr lang="ru-RU" dirty="0"/>
-              <a:t>, считается полиморфным. В </a:t>
-            </a:r>
-            <a:r>
-              <a:rPr lang="ru-RU" dirty="0" err="1"/>
-              <a:t>Java</a:t>
-            </a:r>
-            <a:r>
-              <a:rPr lang="ru-RU" dirty="0"/>
-              <a:t> все объекты являются полиморфными, поскольку любой объект будет проходить тест IS-A для своего собственного типа и для класса </a:t>
-            </a:r>
-            <a:r>
-              <a:rPr lang="ru-RU" dirty="0" err="1"/>
-              <a:t>Object</a:t>
-            </a:r>
-            <a:r>
-              <a:rPr lang="ru-RU" dirty="0"/>
-              <a:t>.</a:t>
-            </a:r>
+              <a:t>Отличительные особенности:</a:t>
+            </a:r>
+          </a:p>
+          <a:p>
+            <a:pPr marL="458280" indent="-457200">
+              <a:lnSpc>
+                <a:spcPct val="200000"/>
+              </a:lnSpc>
+              <a:buClr>
+                <a:srgbClr val="000000"/>
+              </a:buClr>
+            </a:pPr>
+            <a:r>
+              <a:rPr lang="ru-RU" spc="-1" dirty="0" smtClean="0">
+                <a:solidFill>
+                  <a:srgbClr val="FF0000"/>
+                </a:solidFill>
+                <a:ea typeface="DejaVu Sans"/>
+              </a:rPr>
+              <a:t>Методы всегда </a:t>
+            </a:r>
+            <a:r>
+              <a:rPr lang="ru-RU" spc="-1" dirty="0" err="1" smtClean="0">
+                <a:solidFill>
+                  <a:srgbClr val="FF0000"/>
+                </a:solidFill>
+                <a:ea typeface="DejaVu Sans"/>
+              </a:rPr>
+              <a:t>public</a:t>
+            </a:r>
+            <a:r>
+              <a:rPr lang="ru-RU" spc="-1" dirty="0" smtClean="0">
+                <a:solidFill>
+                  <a:srgbClr val="FF0000"/>
+                </a:solidFill>
+                <a:ea typeface="DejaVu Sans"/>
+              </a:rPr>
+              <a:t> и </a:t>
+            </a:r>
+            <a:r>
+              <a:rPr lang="ru-RU" spc="-1" dirty="0" err="1" smtClean="0">
+                <a:solidFill>
+                  <a:srgbClr val="FF0000"/>
+                </a:solidFill>
+                <a:ea typeface="DejaVu Sans"/>
+              </a:rPr>
+              <a:t>abstract</a:t>
+            </a:r>
+            <a:r>
+              <a:rPr lang="ru-RU" spc="-1" dirty="0" smtClean="0">
+                <a:solidFill>
+                  <a:srgbClr val="FF0000"/>
+                </a:solidFill>
+                <a:ea typeface="DejaVu Sans"/>
+              </a:rPr>
+              <a:t>, даже если это не объявлено</a:t>
+            </a:r>
+            <a:endParaRPr lang="ru-RU" spc="-1" dirty="0" smtClean="0">
+              <a:solidFill>
+                <a:srgbClr val="FF0000"/>
+              </a:solidFill>
+              <a:latin typeface="Arial"/>
+            </a:endParaRPr>
+          </a:p>
+          <a:p>
+            <a:pPr marL="458280" indent="-457200">
+              <a:lnSpc>
+                <a:spcPct val="200000"/>
+              </a:lnSpc>
+              <a:buClr>
+                <a:srgbClr val="000000"/>
+              </a:buClr>
+            </a:pPr>
+            <a:r>
+              <a:rPr lang="ru-RU" spc="-1" dirty="0" smtClean="0">
+                <a:solidFill>
+                  <a:srgbClr val="FF0000"/>
+                </a:solidFill>
+                <a:ea typeface="DejaVu Sans"/>
+              </a:rPr>
+              <a:t>Методы </a:t>
+            </a:r>
+            <a:r>
+              <a:rPr lang="ru-RU" spc="-1" dirty="0">
+                <a:solidFill>
+                  <a:srgbClr val="FF0000"/>
+                </a:solidFill>
+                <a:ea typeface="DejaVu Sans"/>
+              </a:rPr>
+              <a:t>не могут быть </a:t>
+            </a:r>
+            <a:r>
+              <a:rPr lang="ru-RU" spc="-1" dirty="0" err="1">
+                <a:solidFill>
+                  <a:srgbClr val="FF0000"/>
+                </a:solidFill>
+                <a:ea typeface="DejaVu Sans"/>
+              </a:rPr>
+              <a:t>static</a:t>
+            </a:r>
+            <a:r>
+              <a:rPr lang="ru-RU" spc="-1" dirty="0">
+                <a:solidFill>
+                  <a:srgbClr val="FF0000"/>
+                </a:solidFill>
+                <a:ea typeface="DejaVu Sans"/>
+              </a:rPr>
+              <a:t>, </a:t>
+            </a:r>
+            <a:r>
+              <a:rPr lang="ru-RU" spc="-1" dirty="0" err="1">
+                <a:solidFill>
+                  <a:srgbClr val="FF0000"/>
+                </a:solidFill>
+                <a:ea typeface="DejaVu Sans"/>
+              </a:rPr>
+              <a:t>final</a:t>
+            </a:r>
+            <a:r>
+              <a:rPr lang="ru-RU" spc="-1" dirty="0">
+                <a:solidFill>
+                  <a:srgbClr val="FF0000"/>
+                </a:solidFill>
+                <a:ea typeface="DejaVu Sans"/>
+              </a:rPr>
+              <a:t>, </a:t>
+            </a:r>
+            <a:r>
+              <a:rPr lang="ru-RU" spc="-1" dirty="0" err="1" smtClean="0">
+                <a:solidFill>
+                  <a:srgbClr val="FF0000"/>
+                </a:solidFill>
+                <a:ea typeface="DejaVu Sans"/>
+              </a:rPr>
+              <a:t>native</a:t>
+            </a:r>
+            <a:r>
+              <a:rPr lang="ru-RU" spc="-1" dirty="0">
+                <a:solidFill>
+                  <a:srgbClr val="FF0000"/>
+                </a:solidFill>
+                <a:ea typeface="DejaVu Sans"/>
+              </a:rPr>
+              <a:t>, </a:t>
+            </a:r>
+            <a:r>
+              <a:rPr lang="ru-RU" spc="-1" dirty="0" err="1">
+                <a:solidFill>
+                  <a:srgbClr val="FF0000"/>
+                </a:solidFill>
+                <a:ea typeface="DejaVu Sans"/>
+              </a:rPr>
+              <a:t>private</a:t>
+            </a:r>
+            <a:r>
+              <a:rPr lang="ru-RU" spc="-1" dirty="0">
+                <a:solidFill>
+                  <a:srgbClr val="FF0000"/>
+                </a:solidFill>
+                <a:ea typeface="DejaVu Sans"/>
+              </a:rPr>
+              <a:t>, </a:t>
+            </a:r>
+            <a:r>
+              <a:rPr lang="ru-RU" spc="-1" dirty="0" err="1">
+                <a:solidFill>
+                  <a:srgbClr val="FF0000"/>
+                </a:solidFill>
+                <a:ea typeface="DejaVu Sans"/>
+              </a:rPr>
+              <a:t>protected</a:t>
+            </a:r>
+            <a:r>
+              <a:rPr lang="ru-RU" spc="-1" dirty="0">
+                <a:solidFill>
+                  <a:srgbClr val="FF0000"/>
+                </a:solidFill>
+                <a:ea typeface="DejaVu Sans"/>
+              </a:rPr>
+              <a:t> </a:t>
+            </a:r>
+            <a:endParaRPr lang="ru-RU" spc="-1" dirty="0">
+              <a:solidFill>
+                <a:srgbClr val="FF0000"/>
+              </a:solidFill>
+              <a:latin typeface="Arial"/>
+            </a:endParaRPr>
+          </a:p>
+          <a:p>
+            <a:pPr marL="458280" indent="-457200">
+              <a:lnSpc>
+                <a:spcPct val="200000"/>
+              </a:lnSpc>
+              <a:buClr>
+                <a:srgbClr val="000000"/>
+              </a:buClr>
+            </a:pPr>
+            <a:r>
+              <a:rPr lang="ru-RU" spc="-1" dirty="0" smtClean="0">
+                <a:solidFill>
+                  <a:srgbClr val="FF0000"/>
+                </a:solidFill>
+                <a:ea typeface="DejaVu Sans"/>
+              </a:rPr>
+              <a:t>Переменные </a:t>
+            </a:r>
+            <a:r>
+              <a:rPr lang="ru-RU" spc="-1" dirty="0">
+                <a:solidFill>
+                  <a:srgbClr val="FF0000"/>
+                </a:solidFill>
+                <a:ea typeface="DejaVu Sans"/>
+              </a:rPr>
+              <a:t>только </a:t>
+            </a:r>
+            <a:r>
+              <a:rPr lang="ru-RU" spc="-1" dirty="0" err="1">
+                <a:solidFill>
+                  <a:srgbClr val="FF0000"/>
+                </a:solidFill>
+                <a:ea typeface="DejaVu Sans"/>
+              </a:rPr>
+              <a:t>public</a:t>
+            </a:r>
+            <a:r>
+              <a:rPr lang="ru-RU" spc="-1" dirty="0">
+                <a:solidFill>
+                  <a:srgbClr val="FF0000"/>
+                </a:solidFill>
+                <a:ea typeface="DejaVu Sans"/>
+              </a:rPr>
+              <a:t> </a:t>
+            </a:r>
+            <a:r>
+              <a:rPr lang="ru-RU" spc="-1" dirty="0" err="1">
+                <a:solidFill>
+                  <a:srgbClr val="FF0000"/>
+                </a:solidFill>
+                <a:ea typeface="DejaVu Sans"/>
+              </a:rPr>
+              <a:t>static</a:t>
+            </a:r>
+            <a:r>
+              <a:rPr lang="ru-RU" spc="-1" dirty="0">
+                <a:solidFill>
+                  <a:srgbClr val="FF0000"/>
+                </a:solidFill>
+                <a:ea typeface="DejaVu Sans"/>
+              </a:rPr>
+              <a:t> </a:t>
+            </a:r>
+            <a:r>
+              <a:rPr lang="ru-RU" spc="-1" dirty="0" err="1">
+                <a:solidFill>
+                  <a:srgbClr val="FF0000"/>
+                </a:solidFill>
+                <a:ea typeface="DejaVu Sans"/>
+              </a:rPr>
+              <a:t>final</a:t>
+            </a:r>
+            <a:r>
+              <a:rPr lang="ru-RU" spc="-1" dirty="0">
+                <a:solidFill>
+                  <a:srgbClr val="FF0000"/>
+                </a:solidFill>
+                <a:ea typeface="DejaVu Sans"/>
+              </a:rPr>
+              <a:t>, даже если это не объявлено </a:t>
+            </a:r>
+            <a:endParaRPr lang="ru-RU" spc="-1" dirty="0">
+              <a:solidFill>
+                <a:srgbClr val="FF0000"/>
+              </a:solidFill>
+              <a:latin typeface="Arial"/>
+            </a:endParaRPr>
+          </a:p>
+          <a:p>
+            <a:pPr marL="458280" indent="-457200">
+              <a:lnSpc>
+                <a:spcPct val="200000"/>
+              </a:lnSpc>
+              <a:buClr>
+                <a:srgbClr val="000000"/>
+              </a:buClr>
+            </a:pPr>
+            <a:r>
+              <a:rPr lang="ru-RU" spc="-1" dirty="0" smtClean="0">
+                <a:solidFill>
+                  <a:srgbClr val="FF0000"/>
+                </a:solidFill>
+                <a:ea typeface="DejaVu Sans"/>
+              </a:rPr>
+              <a:t>Переменные </a:t>
+            </a:r>
+            <a:r>
+              <a:rPr lang="ru-RU" spc="-1" dirty="0">
+                <a:solidFill>
+                  <a:srgbClr val="FF0000"/>
+                </a:solidFill>
+                <a:ea typeface="DejaVu Sans"/>
+              </a:rPr>
+              <a:t>не могут быть </a:t>
+            </a:r>
+            <a:r>
+              <a:rPr lang="ru-RU" spc="-1" dirty="0" err="1" smtClean="0">
+                <a:solidFill>
+                  <a:srgbClr val="FF0000"/>
+                </a:solidFill>
+                <a:ea typeface="DejaVu Sans"/>
+              </a:rPr>
+              <a:t>native</a:t>
+            </a:r>
+            <a:r>
+              <a:rPr lang="ru-RU" spc="-1" dirty="0">
+                <a:solidFill>
+                  <a:srgbClr val="FF0000"/>
+                </a:solidFill>
+                <a:ea typeface="DejaVu Sans"/>
+              </a:rPr>
+              <a:t>, </a:t>
+            </a:r>
+            <a:r>
+              <a:rPr lang="ru-RU" spc="-1" dirty="0" err="1">
+                <a:solidFill>
+                  <a:srgbClr val="FF0000"/>
+                </a:solidFill>
+                <a:ea typeface="DejaVu Sans"/>
+              </a:rPr>
+              <a:t>private</a:t>
+            </a:r>
+            <a:r>
+              <a:rPr lang="ru-RU" spc="-1" dirty="0">
+                <a:solidFill>
+                  <a:srgbClr val="FF0000"/>
+                </a:solidFill>
+                <a:ea typeface="DejaVu Sans"/>
+              </a:rPr>
+              <a:t>, </a:t>
+            </a:r>
+            <a:r>
+              <a:rPr lang="ru-RU" spc="-1" dirty="0" err="1">
+                <a:solidFill>
+                  <a:srgbClr val="FF0000"/>
+                </a:solidFill>
+                <a:ea typeface="DejaVu Sans"/>
+              </a:rPr>
+              <a:t>protected</a:t>
+            </a:r>
+            <a:r>
+              <a:rPr lang="ru-RU" spc="-1" dirty="0">
+                <a:solidFill>
+                  <a:srgbClr val="FF0000"/>
+                </a:solidFill>
+                <a:ea typeface="DejaVu Sans"/>
+              </a:rPr>
+              <a:t> </a:t>
+            </a:r>
+            <a:endParaRPr lang="ru-RU" spc="-1" dirty="0">
+              <a:solidFill>
+                <a:srgbClr val="FF0000"/>
+              </a:solidFill>
+              <a:latin typeface="Arial"/>
+            </a:endParaRPr>
+          </a:p>
+          <a:p>
+            <a:pPr marL="458280" indent="-457200">
+              <a:lnSpc>
+                <a:spcPct val="200000"/>
+              </a:lnSpc>
+              <a:buClr>
+                <a:srgbClr val="000000"/>
+              </a:buClr>
+            </a:pPr>
+            <a:r>
+              <a:rPr lang="ru-RU" spc="-1" dirty="0" smtClean="0">
+                <a:solidFill>
+                  <a:srgbClr val="FF0000"/>
+                </a:solidFill>
+                <a:ea typeface="DejaVu Sans"/>
+              </a:rPr>
+              <a:t>Может </a:t>
+            </a:r>
+            <a:r>
+              <a:rPr lang="ru-RU" spc="-1" dirty="0">
+                <a:solidFill>
+                  <a:srgbClr val="FF0000"/>
+                </a:solidFill>
+                <a:ea typeface="DejaVu Sans"/>
+              </a:rPr>
+              <a:t>только наследовать (</a:t>
+            </a:r>
+            <a:r>
+              <a:rPr lang="ru-RU" spc="-1" dirty="0" err="1">
+                <a:solidFill>
+                  <a:srgbClr val="FF0000"/>
+                </a:solidFill>
+                <a:ea typeface="DejaVu Sans"/>
+              </a:rPr>
+              <a:t>extends</a:t>
+            </a:r>
+            <a:r>
+              <a:rPr lang="ru-RU" spc="-1" dirty="0">
+                <a:solidFill>
+                  <a:srgbClr val="FF0000"/>
+                </a:solidFill>
+                <a:ea typeface="DejaVu Sans"/>
+              </a:rPr>
+              <a:t>) другой интерфейс, но не реализовывать интерфейс или класс (</a:t>
+            </a:r>
+            <a:r>
+              <a:rPr lang="ru-RU" spc="-1" dirty="0" err="1">
+                <a:solidFill>
+                  <a:srgbClr val="FF0000"/>
+                </a:solidFill>
+                <a:ea typeface="DejaVu Sans"/>
+              </a:rPr>
+              <a:t>implements</a:t>
+            </a:r>
+            <a:r>
+              <a:rPr lang="ru-RU" spc="-1" dirty="0">
+                <a:solidFill>
+                  <a:srgbClr val="FF0000"/>
+                </a:solidFill>
+                <a:ea typeface="DejaVu Sans"/>
+              </a:rPr>
+              <a:t>).</a:t>
+            </a:r>
+            <a:endParaRPr lang="ru-RU" spc="-1" dirty="0">
+              <a:solidFill>
+                <a:srgbClr val="FF0000"/>
+              </a:solidFill>
+              <a:latin typeface="Arial"/>
+            </a:endParaRPr>
           </a:p>
           <a:p>
             <a:pPr marL="0" indent="0">
               <a:buNone/>
             </a:pPr>
-            <a:endParaRPr lang="ru-RU" dirty="0"/>
+            <a:endParaRPr lang="ru-RU" dirty="0">
+              <a:solidFill>
+                <a:srgbClr val="FF0000"/>
+              </a:solidFill>
+            </a:endParaRPr>
           </a:p>
         </p:txBody>
       </p:sp>
     </p:spTree>
     <p:extLst>
       <p:ext uri="{BB962C8B-B14F-4D97-AF65-F5344CB8AC3E}">
-        <p14:creationId xmlns:p14="http://schemas.microsoft.com/office/powerpoint/2010/main" val="1422087047"/>
+        <p14:creationId xmlns:p14="http://schemas.microsoft.com/office/powerpoint/2010/main" val="200264904"/>
       </p:ext>
     </p:extLst>
   </p:cSld>
@@ -4502,7 +5213,7 @@
             <a:pPr algn="ctr"/>
             <a:r>
               <a:rPr lang="ru-RU" dirty="0" smtClean="0"/>
-              <a:t>Пример полиморфизма</a:t>
+              <a:t>Пример интерфейсов</a:t>
             </a:r>
             <a:endParaRPr lang="ru-RU" dirty="0"/>
           </a:p>
@@ -4510,30 +5221,194 @@
       </p:sp>
       <p:sp>
         <p:nvSpPr>
-          <p:cNvPr id="3" name="Объект 2"/>
-          <p:cNvSpPr>
-            <a:spLocks noGrp="1"/>
-          </p:cNvSpPr>
-          <p:nvPr>
-            <p:ph idx="1"/>
-          </p:nvPr>
-        </p:nvSpPr>
-        <p:spPr/>
-        <p:txBody>
-          <a:bodyPr/>
-          <a:lstStyle/>
+          <p:cNvPr id="6" name="Объект 2"/>
+          <p:cNvSpPr txBox="1">
+            <a:spLocks/>
+          </p:cNvSpPr>
+          <p:nvPr/>
+        </p:nvSpPr>
+        <p:spPr>
+          <a:xfrm>
+            <a:off x="4666282" y="2100021"/>
+            <a:ext cx="2075481" cy="2688956"/>
+          </a:xfrm>
+          <a:prstGeom prst="rect">
+            <a:avLst/>
+          </a:prstGeom>
+        </p:spPr>
+        <p:txBody>
+          <a:bodyPr vert="horz" lIns="91440" tIns="45720" rIns="91440" bIns="45720" rtlCol="0">
+            <a:normAutofit/>
+          </a:bodyPr>
+          <a:lstStyle>
+            <a:lvl1pPr marL="228600" indent="-228600" algn="l" defTabSz="914400" rtl="0" eaLnBrk="1" latinLnBrk="0" hangingPunct="1">
+              <a:lnSpc>
+                <a:spcPct val="90000"/>
+              </a:lnSpc>
+              <a:spcBef>
+                <a:spcPts val="1000"/>
+              </a:spcBef>
+              <a:buFont typeface="Arial" panose="020B0604020202020204" pitchFamily="34" charset="0"/>
+              <a:buChar char="•"/>
+              <a:defRPr sz="2800" kern="1200">
+                <a:solidFill>
+                  <a:schemeClr val="tx1"/>
+                </a:solidFill>
+                <a:latin typeface="+mn-lt"/>
+                <a:ea typeface="+mn-ea"/>
+                <a:cs typeface="+mn-cs"/>
+              </a:defRPr>
+            </a:lvl1pPr>
+            <a:lvl2pPr marL="685800" indent="-228600" algn="l" defTabSz="914400" rtl="0" eaLnBrk="1" latinLnBrk="0" hangingPunct="1">
+              <a:lnSpc>
+                <a:spcPct val="90000"/>
+              </a:lnSpc>
+              <a:spcBef>
+                <a:spcPts val="500"/>
+              </a:spcBef>
+              <a:buFont typeface="Arial" panose="020B0604020202020204" pitchFamily="34" charset="0"/>
+              <a:buChar char="•"/>
+              <a:defRPr sz="2400" kern="1200">
+                <a:solidFill>
+                  <a:schemeClr val="tx1"/>
+                </a:solidFill>
+                <a:latin typeface="+mn-lt"/>
+                <a:ea typeface="+mn-ea"/>
+                <a:cs typeface="+mn-cs"/>
+              </a:defRPr>
+            </a:lvl2pPr>
+            <a:lvl3pPr marL="1143000" indent="-228600" algn="l" defTabSz="914400" rtl="0" eaLnBrk="1" latinLnBrk="0" hangingPunct="1">
+              <a:lnSpc>
+                <a:spcPct val="90000"/>
+              </a:lnSpc>
+              <a:spcBef>
+                <a:spcPts val="500"/>
+              </a:spcBef>
+              <a:buFont typeface="Arial" panose="020B0604020202020204" pitchFamily="34" charset="0"/>
+              <a:buChar char="•"/>
+              <a:defRPr sz="2000" kern="1200">
+                <a:solidFill>
+                  <a:schemeClr val="tx1"/>
+                </a:solidFill>
+                <a:latin typeface="+mn-lt"/>
+                <a:ea typeface="+mn-ea"/>
+                <a:cs typeface="+mn-cs"/>
+              </a:defRPr>
+            </a:lvl3pPr>
+            <a:lvl4pPr marL="1600200" indent="-228600" algn="l" defTabSz="914400" rtl="0" eaLnBrk="1" latinLnBrk="0" hangingPunct="1">
+              <a:lnSpc>
+                <a:spcPct val="90000"/>
+              </a:lnSpc>
+              <a:spcBef>
+                <a:spcPts val="500"/>
+              </a:spcBef>
+              <a:buFont typeface="Arial" panose="020B0604020202020204" pitchFamily="34" charset="0"/>
+              <a:buChar char="•"/>
+              <a:defRPr sz="1800" kern="1200">
+                <a:solidFill>
+                  <a:schemeClr val="tx1"/>
+                </a:solidFill>
+                <a:latin typeface="+mn-lt"/>
+                <a:ea typeface="+mn-ea"/>
+                <a:cs typeface="+mn-cs"/>
+              </a:defRPr>
+            </a:lvl4pPr>
+            <a:lvl5pPr marL="2057400" indent="-228600" algn="l" defTabSz="914400" rtl="0" eaLnBrk="1" latinLnBrk="0" hangingPunct="1">
+              <a:lnSpc>
+                <a:spcPct val="90000"/>
+              </a:lnSpc>
+              <a:spcBef>
+                <a:spcPts val="500"/>
+              </a:spcBef>
+              <a:buFont typeface="Arial" panose="020B0604020202020204" pitchFamily="34" charset="0"/>
+              <a:buChar char="•"/>
+              <a:defRPr sz="1800" kern="1200">
+                <a:solidFill>
+                  <a:schemeClr val="tx1"/>
+                </a:solidFill>
+                <a:latin typeface="+mn-lt"/>
+                <a:ea typeface="+mn-ea"/>
+                <a:cs typeface="+mn-cs"/>
+              </a:defRPr>
+            </a:lvl5pPr>
+            <a:lvl6pPr marL="2514600" indent="-228600" algn="l" defTabSz="914400" rtl="0" eaLnBrk="1" latinLnBrk="0" hangingPunct="1">
+              <a:lnSpc>
+                <a:spcPct val="90000"/>
+              </a:lnSpc>
+              <a:spcBef>
+                <a:spcPts val="500"/>
+              </a:spcBef>
+              <a:buFont typeface="Arial" panose="020B0604020202020204" pitchFamily="34" charset="0"/>
+              <a:buChar char="•"/>
+              <a:defRPr sz="1800" kern="1200">
+                <a:solidFill>
+                  <a:schemeClr val="tx1"/>
+                </a:solidFill>
+                <a:latin typeface="+mn-lt"/>
+                <a:ea typeface="+mn-ea"/>
+                <a:cs typeface="+mn-cs"/>
+              </a:defRPr>
+            </a:lvl6pPr>
+            <a:lvl7pPr marL="2971800" indent="-228600" algn="l" defTabSz="914400" rtl="0" eaLnBrk="1" latinLnBrk="0" hangingPunct="1">
+              <a:lnSpc>
+                <a:spcPct val="90000"/>
+              </a:lnSpc>
+              <a:spcBef>
+                <a:spcPts val="500"/>
+              </a:spcBef>
+              <a:buFont typeface="Arial" panose="020B0604020202020204" pitchFamily="34" charset="0"/>
+              <a:buChar char="•"/>
+              <a:defRPr sz="1800" kern="1200">
+                <a:solidFill>
+                  <a:schemeClr val="tx1"/>
+                </a:solidFill>
+                <a:latin typeface="+mn-lt"/>
+                <a:ea typeface="+mn-ea"/>
+                <a:cs typeface="+mn-cs"/>
+              </a:defRPr>
+            </a:lvl7pPr>
+            <a:lvl8pPr marL="3429000" indent="-228600" algn="l" defTabSz="914400" rtl="0" eaLnBrk="1" latinLnBrk="0" hangingPunct="1">
+              <a:lnSpc>
+                <a:spcPct val="90000"/>
+              </a:lnSpc>
+              <a:spcBef>
+                <a:spcPts val="500"/>
+              </a:spcBef>
+              <a:buFont typeface="Arial" panose="020B0604020202020204" pitchFamily="34" charset="0"/>
+              <a:buChar char="•"/>
+              <a:defRPr sz="1800" kern="1200">
+                <a:solidFill>
+                  <a:schemeClr val="tx1"/>
+                </a:solidFill>
+                <a:latin typeface="+mn-lt"/>
+                <a:ea typeface="+mn-ea"/>
+                <a:cs typeface="+mn-cs"/>
+              </a:defRPr>
+            </a:lvl8pPr>
+            <a:lvl9pPr marL="3886200" indent="-228600" algn="l" defTabSz="914400" rtl="0" eaLnBrk="1" latinLnBrk="0" hangingPunct="1">
+              <a:lnSpc>
+                <a:spcPct val="90000"/>
+              </a:lnSpc>
+              <a:spcBef>
+                <a:spcPts val="500"/>
+              </a:spcBef>
+              <a:buFont typeface="Arial" panose="020B0604020202020204" pitchFamily="34" charset="0"/>
+              <a:buChar char="•"/>
+              <a:defRPr sz="1800" kern="1200">
+                <a:solidFill>
+                  <a:schemeClr val="tx1"/>
+                </a:solidFill>
+                <a:latin typeface="+mn-lt"/>
+                <a:ea typeface="+mn-ea"/>
+                <a:cs typeface="+mn-cs"/>
+              </a:defRPr>
+            </a:lvl9pPr>
+          </a:lstStyle>
           <a:p>
             <a:pPr marL="0" indent="0">
+              <a:buFont typeface="Arial" panose="020B0604020202020204" pitchFamily="34" charset="0"/>
               <a:buNone/>
             </a:pPr>
-            <a:r>
-              <a:rPr lang="en-US" dirty="0" smtClean="0">
-                <a:solidFill>
-                  <a:srgbClr val="FF0000"/>
-                </a:solidFill>
-              </a:rPr>
-              <a:t>TODO</a:t>
-            </a:r>
             <a:endParaRPr lang="ru-RU" dirty="0">
               <a:solidFill>
                 <a:srgbClr val="FF0000"/>
@@ -4542,10 +5417,534 @@
           </a:p>
         </p:txBody>
       </p:sp>
+      <p:sp>
+        <p:nvSpPr>
+          <p:cNvPr id="7" name="Объект 2"/>
+          <p:cNvSpPr txBox="1">
+            <a:spLocks/>
+          </p:cNvSpPr>
+          <p:nvPr/>
+        </p:nvSpPr>
+        <p:spPr>
+          <a:xfrm>
+            <a:off x="7975170" y="2100021"/>
+            <a:ext cx="2075481" cy="2688956"/>
+          </a:xfrm>
+          <a:prstGeom prst="rect">
+            <a:avLst/>
+          </a:prstGeom>
+        </p:spPr>
+        <p:txBody>
+          <a:bodyPr vert="horz" lIns="91440" tIns="45720" rIns="91440" bIns="45720" rtlCol="0">
+            <a:normAutofit/>
+          </a:bodyPr>
+          <a:lstStyle>
+            <a:lvl1pPr marL="228600" indent="-228600" algn="l" defTabSz="914400" rtl="0" eaLnBrk="1" latinLnBrk="0" hangingPunct="1">
+              <a:lnSpc>
+                <a:spcPct val="90000"/>
+              </a:lnSpc>
+              <a:spcBef>
+                <a:spcPts val="1000"/>
+              </a:spcBef>
+              <a:buFont typeface="Arial" panose="020B0604020202020204" pitchFamily="34" charset="0"/>
+              <a:buChar char="•"/>
+              <a:defRPr sz="2800" kern="1200">
+                <a:solidFill>
+                  <a:schemeClr val="tx1"/>
+                </a:solidFill>
+                <a:latin typeface="+mn-lt"/>
+                <a:ea typeface="+mn-ea"/>
+                <a:cs typeface="+mn-cs"/>
+              </a:defRPr>
+            </a:lvl1pPr>
+            <a:lvl2pPr marL="685800" indent="-228600" algn="l" defTabSz="914400" rtl="0" eaLnBrk="1" latinLnBrk="0" hangingPunct="1">
+              <a:lnSpc>
+                <a:spcPct val="90000"/>
+              </a:lnSpc>
+              <a:spcBef>
+                <a:spcPts val="500"/>
+              </a:spcBef>
+              <a:buFont typeface="Arial" panose="020B0604020202020204" pitchFamily="34" charset="0"/>
+              <a:buChar char="•"/>
+              <a:defRPr sz="2400" kern="1200">
+                <a:solidFill>
+                  <a:schemeClr val="tx1"/>
+                </a:solidFill>
+                <a:latin typeface="+mn-lt"/>
+                <a:ea typeface="+mn-ea"/>
+                <a:cs typeface="+mn-cs"/>
+              </a:defRPr>
+            </a:lvl2pPr>
+            <a:lvl3pPr marL="1143000" indent="-228600" algn="l" defTabSz="914400" rtl="0" eaLnBrk="1" latinLnBrk="0" hangingPunct="1">
+              <a:lnSpc>
+                <a:spcPct val="90000"/>
+              </a:lnSpc>
+              <a:spcBef>
+                <a:spcPts val="500"/>
+              </a:spcBef>
+              <a:buFont typeface="Arial" panose="020B0604020202020204" pitchFamily="34" charset="0"/>
+              <a:buChar char="•"/>
+              <a:defRPr sz="2000" kern="1200">
+                <a:solidFill>
+                  <a:schemeClr val="tx1"/>
+                </a:solidFill>
+                <a:latin typeface="+mn-lt"/>
+                <a:ea typeface="+mn-ea"/>
+                <a:cs typeface="+mn-cs"/>
+              </a:defRPr>
+            </a:lvl3pPr>
+            <a:lvl4pPr marL="1600200" indent="-228600" algn="l" defTabSz="914400" rtl="0" eaLnBrk="1" latinLnBrk="0" hangingPunct="1">
+              <a:lnSpc>
+                <a:spcPct val="90000"/>
+              </a:lnSpc>
+              <a:spcBef>
+                <a:spcPts val="500"/>
+              </a:spcBef>
+              <a:buFont typeface="Arial" panose="020B0604020202020204" pitchFamily="34" charset="0"/>
+              <a:buChar char="•"/>
+              <a:defRPr sz="1800" kern="1200">
+                <a:solidFill>
+                  <a:schemeClr val="tx1"/>
+                </a:solidFill>
+                <a:latin typeface="+mn-lt"/>
+                <a:ea typeface="+mn-ea"/>
+                <a:cs typeface="+mn-cs"/>
+              </a:defRPr>
+            </a:lvl4pPr>
+            <a:lvl5pPr marL="2057400" indent="-228600" algn="l" defTabSz="914400" rtl="0" eaLnBrk="1" latinLnBrk="0" hangingPunct="1">
+              <a:lnSpc>
+                <a:spcPct val="90000"/>
+              </a:lnSpc>
+              <a:spcBef>
+                <a:spcPts val="500"/>
+              </a:spcBef>
+              <a:buFont typeface="Arial" panose="020B0604020202020204" pitchFamily="34" charset="0"/>
+              <a:buChar char="•"/>
+              <a:defRPr sz="1800" kern="1200">
+                <a:solidFill>
+                  <a:schemeClr val="tx1"/>
+                </a:solidFill>
+                <a:latin typeface="+mn-lt"/>
+                <a:ea typeface="+mn-ea"/>
+                <a:cs typeface="+mn-cs"/>
+              </a:defRPr>
+            </a:lvl5pPr>
+            <a:lvl6pPr marL="2514600" indent="-228600" algn="l" defTabSz="914400" rtl="0" eaLnBrk="1" latinLnBrk="0" hangingPunct="1">
+              <a:lnSpc>
+                <a:spcPct val="90000"/>
+              </a:lnSpc>
+              <a:spcBef>
+                <a:spcPts val="500"/>
+              </a:spcBef>
+              <a:buFont typeface="Arial" panose="020B0604020202020204" pitchFamily="34" charset="0"/>
+              <a:buChar char="•"/>
+              <a:defRPr sz="1800" kern="1200">
+                <a:solidFill>
+                  <a:schemeClr val="tx1"/>
+                </a:solidFill>
+                <a:latin typeface="+mn-lt"/>
+                <a:ea typeface="+mn-ea"/>
+                <a:cs typeface="+mn-cs"/>
+              </a:defRPr>
+            </a:lvl6pPr>
+            <a:lvl7pPr marL="2971800" indent="-228600" algn="l" defTabSz="914400" rtl="0" eaLnBrk="1" latinLnBrk="0" hangingPunct="1">
+              <a:lnSpc>
+                <a:spcPct val="90000"/>
+              </a:lnSpc>
+              <a:spcBef>
+                <a:spcPts val="500"/>
+              </a:spcBef>
+              <a:buFont typeface="Arial" panose="020B0604020202020204" pitchFamily="34" charset="0"/>
+              <a:buChar char="•"/>
+              <a:defRPr sz="1800" kern="1200">
+                <a:solidFill>
+                  <a:schemeClr val="tx1"/>
+                </a:solidFill>
+                <a:latin typeface="+mn-lt"/>
+                <a:ea typeface="+mn-ea"/>
+                <a:cs typeface="+mn-cs"/>
+              </a:defRPr>
+            </a:lvl7pPr>
+            <a:lvl8pPr marL="3429000" indent="-228600" algn="l" defTabSz="914400" rtl="0" eaLnBrk="1" latinLnBrk="0" hangingPunct="1">
+              <a:lnSpc>
+                <a:spcPct val="90000"/>
+              </a:lnSpc>
+              <a:spcBef>
+                <a:spcPts val="500"/>
+              </a:spcBef>
+              <a:buFont typeface="Arial" panose="020B0604020202020204" pitchFamily="34" charset="0"/>
+              <a:buChar char="•"/>
+              <a:defRPr sz="1800" kern="1200">
+                <a:solidFill>
+                  <a:schemeClr val="tx1"/>
+                </a:solidFill>
+                <a:latin typeface="+mn-lt"/>
+                <a:ea typeface="+mn-ea"/>
+                <a:cs typeface="+mn-cs"/>
+              </a:defRPr>
+            </a:lvl8pPr>
+            <a:lvl9pPr marL="3886200" indent="-228600" algn="l" defTabSz="914400" rtl="0" eaLnBrk="1" latinLnBrk="0" hangingPunct="1">
+              <a:lnSpc>
+                <a:spcPct val="90000"/>
+              </a:lnSpc>
+              <a:spcBef>
+                <a:spcPts val="500"/>
+              </a:spcBef>
+              <a:buFont typeface="Arial" panose="020B0604020202020204" pitchFamily="34" charset="0"/>
+              <a:buChar char="•"/>
+              <a:defRPr sz="1800" kern="1200">
+                <a:solidFill>
+                  <a:schemeClr val="tx1"/>
+                </a:solidFill>
+                <a:latin typeface="+mn-lt"/>
+                <a:ea typeface="+mn-ea"/>
+                <a:cs typeface="+mn-cs"/>
+              </a:defRPr>
+            </a:lvl9pPr>
+          </a:lstStyle>
+          <a:p>
+            <a:pPr marL="0" indent="0">
+              <a:buFont typeface="Arial" panose="020B0604020202020204" pitchFamily="34" charset="0"/>
+              <a:buNone/>
+            </a:pPr>
+            <a:endParaRPr lang="ru-RU" dirty="0">
+              <a:solidFill>
+                <a:srgbClr val="FF0000"/>
+              </a:solidFill>
+            </a:endParaRPr>
+          </a:p>
+        </p:txBody>
+      </p:sp>
+      <p:sp>
+        <p:nvSpPr>
+          <p:cNvPr id="8" name="Объект 2"/>
+          <p:cNvSpPr txBox="1">
+            <a:spLocks/>
+          </p:cNvSpPr>
+          <p:nvPr/>
+        </p:nvSpPr>
+        <p:spPr>
+          <a:xfrm>
+            <a:off x="4170335" y="2216259"/>
+            <a:ext cx="2075481" cy="2688956"/>
+          </a:xfrm>
+          <a:prstGeom prst="rect">
+            <a:avLst/>
+          </a:prstGeom>
+        </p:spPr>
+        <p:txBody>
+          <a:bodyPr vert="horz" lIns="91440" tIns="45720" rIns="91440" bIns="45720" rtlCol="0">
+            <a:normAutofit/>
+          </a:bodyPr>
+          <a:lstStyle>
+            <a:lvl1pPr marL="228600" indent="-228600" algn="l" defTabSz="914400" rtl="0" eaLnBrk="1" latinLnBrk="0" hangingPunct="1">
+              <a:lnSpc>
+                <a:spcPct val="90000"/>
+              </a:lnSpc>
+              <a:spcBef>
+                <a:spcPts val="1000"/>
+              </a:spcBef>
+              <a:buFont typeface="Arial" panose="020B0604020202020204" pitchFamily="34" charset="0"/>
+              <a:buChar char="•"/>
+              <a:defRPr sz="2800" kern="1200">
+                <a:solidFill>
+                  <a:schemeClr val="tx1"/>
+                </a:solidFill>
+                <a:latin typeface="+mn-lt"/>
+                <a:ea typeface="+mn-ea"/>
+                <a:cs typeface="+mn-cs"/>
+              </a:defRPr>
+            </a:lvl1pPr>
+            <a:lvl2pPr marL="685800" indent="-228600" algn="l" defTabSz="914400" rtl="0" eaLnBrk="1" latinLnBrk="0" hangingPunct="1">
+              <a:lnSpc>
+                <a:spcPct val="90000"/>
+              </a:lnSpc>
+              <a:spcBef>
+                <a:spcPts val="500"/>
+              </a:spcBef>
+              <a:buFont typeface="Arial" panose="020B0604020202020204" pitchFamily="34" charset="0"/>
+              <a:buChar char="•"/>
+              <a:defRPr sz="2400" kern="1200">
+                <a:solidFill>
+                  <a:schemeClr val="tx1"/>
+                </a:solidFill>
+                <a:latin typeface="+mn-lt"/>
+                <a:ea typeface="+mn-ea"/>
+                <a:cs typeface="+mn-cs"/>
+              </a:defRPr>
+            </a:lvl2pPr>
+            <a:lvl3pPr marL="1143000" indent="-228600" algn="l" defTabSz="914400" rtl="0" eaLnBrk="1" latinLnBrk="0" hangingPunct="1">
+              <a:lnSpc>
+                <a:spcPct val="90000"/>
+              </a:lnSpc>
+              <a:spcBef>
+                <a:spcPts val="500"/>
+              </a:spcBef>
+              <a:buFont typeface="Arial" panose="020B0604020202020204" pitchFamily="34" charset="0"/>
+              <a:buChar char="•"/>
+              <a:defRPr sz="2000" kern="1200">
+                <a:solidFill>
+                  <a:schemeClr val="tx1"/>
+                </a:solidFill>
+                <a:latin typeface="+mn-lt"/>
+                <a:ea typeface="+mn-ea"/>
+                <a:cs typeface="+mn-cs"/>
+              </a:defRPr>
+            </a:lvl3pPr>
+            <a:lvl4pPr marL="1600200" indent="-228600" algn="l" defTabSz="914400" rtl="0" eaLnBrk="1" latinLnBrk="0" hangingPunct="1">
+              <a:lnSpc>
+                <a:spcPct val="90000"/>
+              </a:lnSpc>
+              <a:spcBef>
+                <a:spcPts val="500"/>
+              </a:spcBef>
+              <a:buFont typeface="Arial" panose="020B0604020202020204" pitchFamily="34" charset="0"/>
+              <a:buChar char="•"/>
+              <a:defRPr sz="1800" kern="1200">
+                <a:solidFill>
+                  <a:schemeClr val="tx1"/>
+                </a:solidFill>
+                <a:latin typeface="+mn-lt"/>
+                <a:ea typeface="+mn-ea"/>
+                <a:cs typeface="+mn-cs"/>
+              </a:defRPr>
+            </a:lvl4pPr>
+            <a:lvl5pPr marL="2057400" indent="-228600" algn="l" defTabSz="914400" rtl="0" eaLnBrk="1" latinLnBrk="0" hangingPunct="1">
+              <a:lnSpc>
+                <a:spcPct val="90000"/>
+              </a:lnSpc>
+              <a:spcBef>
+                <a:spcPts val="500"/>
+              </a:spcBef>
+              <a:buFont typeface="Arial" panose="020B0604020202020204" pitchFamily="34" charset="0"/>
+              <a:buChar char="•"/>
+              <a:defRPr sz="1800" kern="1200">
+                <a:solidFill>
+                  <a:schemeClr val="tx1"/>
+                </a:solidFill>
+                <a:latin typeface="+mn-lt"/>
+                <a:ea typeface="+mn-ea"/>
+                <a:cs typeface="+mn-cs"/>
+              </a:defRPr>
+            </a:lvl5pPr>
+            <a:lvl6pPr marL="2514600" indent="-228600" algn="l" defTabSz="914400" rtl="0" eaLnBrk="1" latinLnBrk="0" hangingPunct="1">
+              <a:lnSpc>
+                <a:spcPct val="90000"/>
+              </a:lnSpc>
+              <a:spcBef>
+                <a:spcPts val="500"/>
+              </a:spcBef>
+              <a:buFont typeface="Arial" panose="020B0604020202020204" pitchFamily="34" charset="0"/>
+              <a:buChar char="•"/>
+              <a:defRPr sz="1800" kern="1200">
+                <a:solidFill>
+                  <a:schemeClr val="tx1"/>
+                </a:solidFill>
+                <a:latin typeface="+mn-lt"/>
+                <a:ea typeface="+mn-ea"/>
+                <a:cs typeface="+mn-cs"/>
+              </a:defRPr>
+            </a:lvl6pPr>
+            <a:lvl7pPr marL="2971800" indent="-228600" algn="l" defTabSz="914400" rtl="0" eaLnBrk="1" latinLnBrk="0" hangingPunct="1">
+              <a:lnSpc>
+                <a:spcPct val="90000"/>
+              </a:lnSpc>
+              <a:spcBef>
+                <a:spcPts val="500"/>
+              </a:spcBef>
+              <a:buFont typeface="Arial" panose="020B0604020202020204" pitchFamily="34" charset="0"/>
+              <a:buChar char="•"/>
+              <a:defRPr sz="1800" kern="1200">
+                <a:solidFill>
+                  <a:schemeClr val="tx1"/>
+                </a:solidFill>
+                <a:latin typeface="+mn-lt"/>
+                <a:ea typeface="+mn-ea"/>
+                <a:cs typeface="+mn-cs"/>
+              </a:defRPr>
+            </a:lvl7pPr>
+            <a:lvl8pPr marL="3429000" indent="-228600" algn="l" defTabSz="914400" rtl="0" eaLnBrk="1" latinLnBrk="0" hangingPunct="1">
+              <a:lnSpc>
+                <a:spcPct val="90000"/>
+              </a:lnSpc>
+              <a:spcBef>
+                <a:spcPts val="500"/>
+              </a:spcBef>
+              <a:buFont typeface="Arial" panose="020B0604020202020204" pitchFamily="34" charset="0"/>
+              <a:buChar char="•"/>
+              <a:defRPr sz="1800" kern="1200">
+                <a:solidFill>
+                  <a:schemeClr val="tx1"/>
+                </a:solidFill>
+                <a:latin typeface="+mn-lt"/>
+                <a:ea typeface="+mn-ea"/>
+                <a:cs typeface="+mn-cs"/>
+              </a:defRPr>
+            </a:lvl8pPr>
+            <a:lvl9pPr marL="3886200" indent="-228600" algn="l" defTabSz="914400" rtl="0" eaLnBrk="1" latinLnBrk="0" hangingPunct="1">
+              <a:lnSpc>
+                <a:spcPct val="90000"/>
+              </a:lnSpc>
+              <a:spcBef>
+                <a:spcPts val="500"/>
+              </a:spcBef>
+              <a:buFont typeface="Arial" panose="020B0604020202020204" pitchFamily="34" charset="0"/>
+              <a:buChar char="•"/>
+              <a:defRPr sz="1800" kern="1200">
+                <a:solidFill>
+                  <a:schemeClr val="tx1"/>
+                </a:solidFill>
+                <a:latin typeface="+mn-lt"/>
+                <a:ea typeface="+mn-ea"/>
+                <a:cs typeface="+mn-cs"/>
+              </a:defRPr>
+            </a:lvl9pPr>
+          </a:lstStyle>
+          <a:p>
+            <a:pPr marL="0" indent="0">
+              <a:buFont typeface="Arial" panose="020B0604020202020204" pitchFamily="34" charset="0"/>
+              <a:buNone/>
+            </a:pPr>
+            <a:endParaRPr lang="ru-RU" dirty="0">
+              <a:solidFill>
+                <a:srgbClr val="FF0000"/>
+              </a:solidFill>
+            </a:endParaRPr>
+          </a:p>
+        </p:txBody>
+      </p:sp>
+      <p:pic>
+        <p:nvPicPr>
+          <p:cNvPr id="1029" name="Picture 5"/>
+          <p:cNvPicPr>
+            <a:picLocks noChangeAspect="1" noChangeArrowheads="1"/>
+          </p:cNvPicPr>
+          <p:nvPr/>
+        </p:nvPicPr>
+        <p:blipFill>
+          <a:blip r:embed="rId2">
+            <a:extLst>
+              <a:ext uri="{28A0092B-C50C-407E-A947-70E740481C1C}">
+                <a14:useLocalDpi xmlns:a14="http://schemas.microsoft.com/office/drawing/2010/main" val="0"/>
+              </a:ext>
+            </a:extLst>
+          </a:blip>
+          <a:srcRect/>
+          <a:stretch>
+            <a:fillRect/>
+          </a:stretch>
+        </p:blipFill>
+        <p:spPr bwMode="auto">
+          <a:xfrm>
+            <a:off x="5995907" y="1570618"/>
+            <a:ext cx="4395707" cy="5171146"/>
+          </a:xfrm>
+          <a:prstGeom prst="rect">
+            <a:avLst/>
+          </a:prstGeom>
+          <a:noFill/>
+          <a:ln>
+            <a:noFill/>
+          </a:ln>
+          <a:effectLst/>
+          <a:extLst>
+            <a:ext uri="{909E8E84-426E-40DD-AFC4-6F175D3DCCD1}">
+              <a14:hiddenFill xmlns:a14="http://schemas.microsoft.com/office/drawing/2010/main">
+                <a:solidFill>
+                  <a:schemeClr val="accent1"/>
+                </a:solidFill>
+              </a14:hiddenFill>
+            </a:ext>
+            <a:ext uri="{91240B29-F687-4F45-9708-019B960494DF}">
+              <a14:hiddenLine xmlns:a14="http://schemas.microsoft.com/office/drawing/2010/main" w="9525">
+                <a:solidFill>
+                  <a:schemeClr val="tx1"/>
+                </a:solidFill>
+                <a:miter lim="800000"/>
+                <a:headEnd/>
+                <a:tailEnd/>
+              </a14:hiddenLine>
+            </a:ext>
+            <a:ext uri="{AF507438-7753-43E0-B8FC-AC1667EBCBE1}">
+              <a14:hiddenEffects xmlns:a14="http://schemas.microsoft.com/office/drawing/2010/main">
+                <a:effectLst>
+                  <a:outerShdw dist="35921" dir="2700000" algn="ctr" rotWithShape="0">
+                    <a:schemeClr val="bg2"/>
+                  </a:outerShdw>
+                </a:effectLst>
+              </a14:hiddenEffects>
+            </a:ext>
+          </a:extLst>
+        </p:spPr>
+      </p:pic>
+      <p:pic>
+        <p:nvPicPr>
+          <p:cNvPr id="1030" name="Picture 6"/>
+          <p:cNvPicPr>
+            <a:picLocks noChangeAspect="1" noChangeArrowheads="1"/>
+          </p:cNvPicPr>
+          <p:nvPr/>
+        </p:nvPicPr>
+        <p:blipFill>
+          <a:blip r:embed="rId3">
+            <a:extLst>
+              <a:ext uri="{28A0092B-C50C-407E-A947-70E740481C1C}">
+                <a14:useLocalDpi xmlns:a14="http://schemas.microsoft.com/office/drawing/2010/main" val="0"/>
+              </a:ext>
+            </a:extLst>
+          </a:blip>
+          <a:srcRect/>
+          <a:stretch>
+            <a:fillRect/>
+          </a:stretch>
+        </p:blipFill>
+        <p:spPr bwMode="auto">
+          <a:xfrm>
+            <a:off x="1705218" y="1570617"/>
+            <a:ext cx="3734687" cy="5171146"/>
+          </a:xfrm>
+          <a:prstGeom prst="rect">
+            <a:avLst/>
+          </a:prstGeom>
+          <a:noFill/>
+          <a:ln>
+            <a:noFill/>
+          </a:ln>
+          <a:effectLst/>
+          <a:extLst>
+            <a:ext uri="{909E8E84-426E-40DD-AFC4-6F175D3DCCD1}">
+              <a14:hiddenFill xmlns:a14="http://schemas.microsoft.com/office/drawing/2010/main">
+                <a:solidFill>
+                  <a:schemeClr val="accent1"/>
+                </a:solidFill>
+              </a14:hiddenFill>
+            </a:ext>
+            <a:ext uri="{91240B29-F687-4F45-9708-019B960494DF}">
+              <a14:hiddenLine xmlns:a14="http://schemas.microsoft.com/office/drawing/2010/main" w="9525">
+                <a:solidFill>
+                  <a:schemeClr val="tx1"/>
+                </a:solidFill>
+                <a:miter lim="800000"/>
+                <a:headEnd/>
+                <a:tailEnd/>
+              </a14:hiddenLine>
+            </a:ext>
+            <a:ext uri="{AF507438-7753-43E0-B8FC-AC1667EBCBE1}">
+              <a14:hiddenEffects xmlns:a14="http://schemas.microsoft.com/office/drawing/2010/main">
+                <a:effectLst>
+                  <a:outerShdw dist="35921" dir="2700000" algn="ctr" rotWithShape="0">
+                    <a:schemeClr val="bg2"/>
+                  </a:outerShdw>
+                </a:effectLst>
+              </a14:hiddenEffects>
+            </a:ext>
+          </a:extLst>
+        </p:spPr>
+      </p:pic>
     </p:spTree>
     <p:extLst>
       <p:ext uri="{BB962C8B-B14F-4D97-AF65-F5344CB8AC3E}">
-        <p14:creationId xmlns:p14="http://schemas.microsoft.com/office/powerpoint/2010/main" val="1598551148"/>
+        <p14:creationId xmlns:p14="http://schemas.microsoft.com/office/powerpoint/2010/main" val="633731367"/>
       </p:ext>
     </p:extLst>
   </p:cSld>
@@ -4590,65 +5989,139 @@
             <a:pPr algn="ctr"/>
             <a:r>
               <a:rPr lang="ru-RU" dirty="0" smtClean="0"/>
-              <a:t>Обобщенное</a:t>
-            </a:r>
-            <a:r>
-              <a:rPr lang="en-US" dirty="0" smtClean="0"/>
-              <a:t> </a:t>
+              <a:t>Полиморфизм</a:t>
+            </a:r>
+            <a:endParaRPr lang="ru-RU" dirty="0"/>
+          </a:p>
+        </p:txBody>
+      </p:sp>
+      <p:sp>
+        <p:nvSpPr>
+          <p:cNvPr id="3" name="Объект 2"/>
+          <p:cNvSpPr>
+            <a:spLocks noGrp="1"/>
+          </p:cNvSpPr>
+          <p:nvPr>
+            <p:ph idx="1"/>
+          </p:nvPr>
+        </p:nvSpPr>
+        <p:spPr>
+          <a:xfrm>
+            <a:off x="838200" y="1511085"/>
+            <a:ext cx="10515600" cy="4665878"/>
+          </a:xfrm>
+        </p:spPr>
+        <p:txBody>
+          <a:bodyPr>
+            <a:normAutofit fontScale="77500" lnSpcReduction="20000"/>
+          </a:bodyPr>
+          <a:lstStyle/>
+          <a:p>
+            <a:pPr algn="just"/>
+            <a:r>
+              <a:rPr lang="ru-RU" dirty="0"/>
+              <a:t>Полиморфизм – способность объекта принимать множество различных форм. Наиболее распространенное использование полиморфизма в ООП происходит, когда ссылка на родительский класс используется для ссылки на объект дочернего класса. </a:t>
             </a:r>
             <a:r>
               <a:rPr lang="ru-RU" dirty="0" smtClean="0"/>
-              <a:t>программирование</a:t>
+              <a:t>Любой </a:t>
+            </a:r>
+            <a:r>
+              <a:rPr lang="ru-RU" dirty="0"/>
+              <a:t>объект в </a:t>
+            </a:r>
+            <a:r>
+              <a:rPr lang="ru-RU" dirty="0" err="1"/>
+              <a:t>Java</a:t>
+            </a:r>
+            <a:r>
+              <a:rPr lang="ru-RU" dirty="0"/>
+              <a:t>, который может пройти более одного теста IS-A считается полиморфным. В </a:t>
+            </a:r>
+            <a:r>
+              <a:rPr lang="ru-RU" dirty="0" err="1"/>
+              <a:t>Java</a:t>
+            </a:r>
+            <a:r>
+              <a:rPr lang="ru-RU" dirty="0"/>
+              <a:t> все объекты полиморфны, так как любой объект пройдёт тест IS-A для своего собственного типа и для класса </a:t>
+            </a:r>
+            <a:r>
+              <a:rPr lang="ru-RU" dirty="0" err="1"/>
+              <a:t>Object</a:t>
+            </a:r>
+            <a:r>
+              <a:rPr lang="ru-RU" dirty="0"/>
+              <a:t>.</a:t>
+            </a:r>
+          </a:p>
+          <a:p>
+            <a:pPr algn="just"/>
+            <a:r>
+              <a:rPr lang="ru-RU" dirty="0"/>
+              <a:t>П</a:t>
+            </a:r>
+            <a:r>
+              <a:rPr lang="ru-RU" dirty="0" smtClean="0"/>
+              <a:t>олучить </a:t>
+            </a:r>
+            <a:r>
+              <a:rPr lang="ru-RU" dirty="0"/>
+              <a:t>доступ к объекту можно только через ссылочную </a:t>
+            </a:r>
+            <a:r>
+              <a:rPr lang="ru-RU" dirty="0" smtClean="0"/>
+              <a:t>переменную. Ссылочную </a:t>
+            </a:r>
+            <a:r>
+              <a:rPr lang="ru-RU" dirty="0"/>
+              <a:t>переменную можно объявить как класс или тип интерфейса.</a:t>
+            </a:r>
+          </a:p>
+          <a:p>
+            <a:pPr algn="just"/>
+            <a:r>
+              <a:rPr lang="ru-RU" dirty="0" smtClean="0"/>
+              <a:t>Ссылочная </a:t>
+            </a:r>
+            <a:r>
+              <a:rPr lang="ru-RU" dirty="0"/>
+              <a:t>переменная может быть только одного типа. Будучи объявленной, тип ссылочной переменной изменить нельзя.</a:t>
+            </a:r>
+          </a:p>
+          <a:p>
+            <a:pPr algn="just"/>
+            <a:r>
+              <a:rPr lang="ru-RU" dirty="0"/>
+              <a:t>Ссылочную переменную можно переназначить к другим объектам, которые не объявлены как </a:t>
+            </a:r>
+            <a:r>
+              <a:rPr lang="ru-RU" dirty="0" err="1"/>
+              <a:t>final</a:t>
+            </a:r>
+            <a:r>
+              <a:rPr lang="ru-RU" dirty="0"/>
+              <a:t>. Тип ссылочной переменной определяет методы, которые она может вызвать на объекте.</a:t>
+            </a:r>
+          </a:p>
+          <a:p>
+            <a:pPr algn="just"/>
+            <a:r>
+              <a:rPr lang="ru-RU" dirty="0"/>
+              <a:t>Ссылочная переменная может обратиться к любому объекту своего объявленного типа или любому подтипу своего объявленного типа</a:t>
+            </a:r>
+            <a:r>
+              <a:rPr lang="ru-RU" dirty="0" smtClean="0"/>
+              <a:t>. </a:t>
             </a:r>
             <a:endParaRPr lang="ru-RU" dirty="0"/>
-          </a:p>
-        </p:txBody>
-      </p:sp>
-      <p:sp>
-        <p:nvSpPr>
-          <p:cNvPr id="3" name="Объект 2"/>
-          <p:cNvSpPr>
-            <a:spLocks noGrp="1"/>
-          </p:cNvSpPr>
-          <p:nvPr>
-            <p:ph idx="1"/>
-          </p:nvPr>
-        </p:nvSpPr>
-        <p:spPr/>
-        <p:txBody>
-          <a:bodyPr/>
-          <a:lstStyle/>
-          <a:p>
-            <a:pPr marL="0" indent="0">
-              <a:buNone/>
-            </a:pPr>
-            <a:r>
-              <a:rPr lang="ru-RU" dirty="0"/>
-              <a:t>Обобщенное </a:t>
-            </a:r>
-            <a:r>
-              <a:rPr lang="ru-RU" dirty="0" smtClean="0"/>
-              <a:t>программирование</a:t>
-            </a:r>
-            <a:r>
-              <a:rPr lang="en-US" dirty="0" smtClean="0"/>
-              <a:t> – </a:t>
-            </a:r>
-            <a:r>
-              <a:rPr lang="ru-RU" dirty="0" smtClean="0"/>
-              <a:t>это </a:t>
-            </a:r>
-            <a:r>
-              <a:rPr lang="ru-RU" dirty="0"/>
-              <a:t>подход к описанию данных и алгоритмов, который позволяет их использовать с различными типами данных без изменения их описания. </a:t>
-            </a:r>
           </a:p>
         </p:txBody>
       </p:sp>
     </p:spTree>
     <p:extLst>
       <p:ext uri="{BB962C8B-B14F-4D97-AF65-F5344CB8AC3E}">
-        <p14:creationId xmlns:p14="http://schemas.microsoft.com/office/powerpoint/2010/main" val="3733762512"/>
+        <p14:creationId xmlns:p14="http://schemas.microsoft.com/office/powerpoint/2010/main" val="1422087047"/>
       </p:ext>
     </p:extLst>
   </p:cSld>
@@ -4692,28 +6165,38 @@
           <a:p>
             <a:pPr algn="ctr"/>
             <a:r>
-              <a:rPr lang="ru-RU" dirty="0">
+              <a:rPr lang="ru-RU" dirty="0" smtClean="0"/>
+              <a:t>Пример полиморфизма</a:t>
+            </a:r>
+            <a:endParaRPr lang="ru-RU" dirty="0"/>
+          </a:p>
+        </p:txBody>
+      </p:sp>
+      <p:sp>
+        <p:nvSpPr>
+          <p:cNvPr id="3" name="Объект 2"/>
+          <p:cNvSpPr>
+            <a:spLocks noGrp="1"/>
+          </p:cNvSpPr>
+          <p:nvPr>
+            <p:ph idx="1"/>
+          </p:nvPr>
+        </p:nvSpPr>
+        <p:spPr/>
+        <p:txBody>
+          <a:bodyPr/>
+          <a:lstStyle/>
+          <a:p>
+            <a:pPr marL="0" indent="0">
+              <a:buNone/>
+            </a:pPr>
+            <a:r>
+              <a:rPr lang="en-US" dirty="0" smtClean="0">
                 <a:solidFill>
                   <a:srgbClr val="FF0000"/>
                 </a:solidFill>
               </a:rPr>
-              <a:t>Обобщенное</a:t>
-            </a:r>
-            <a:r>
-              <a:rPr lang="en-US" dirty="0">
-                <a:solidFill>
-                  <a:srgbClr val="FF0000"/>
-                </a:solidFill>
-              </a:rPr>
-              <a:t> </a:t>
-            </a:r>
-            <a:r>
-              <a:rPr lang="ru-RU" dirty="0" smtClean="0">
-                <a:solidFill>
-                  <a:srgbClr val="FF0000"/>
-                </a:solidFill>
-              </a:rPr>
-              <a:t>программирование 2</a:t>
+              <a:t>TODO</a:t>
             </a:r>
             <a:endParaRPr lang="ru-RU" dirty="0">
               <a:solidFill>
@@ -4723,29 +6206,10 @@
           </a:p>
         </p:txBody>
       </p:sp>
-      <p:sp>
-        <p:nvSpPr>
-          <p:cNvPr id="3" name="Объект 2"/>
-          <p:cNvSpPr>
-            <a:spLocks noGrp="1"/>
-          </p:cNvSpPr>
-          <p:nvPr>
-            <p:ph idx="1"/>
-          </p:nvPr>
-        </p:nvSpPr>
-        <p:spPr/>
-        <p:txBody>
-          <a:bodyPr/>
-          <a:lstStyle/>
-          <a:p>
-            <a:endParaRPr lang="ru-RU"/>
-          </a:p>
-        </p:txBody>
-      </p:sp>
     </p:spTree>
     <p:extLst>
       <p:ext uri="{BB962C8B-B14F-4D97-AF65-F5344CB8AC3E}">
-        <p14:creationId xmlns:p14="http://schemas.microsoft.com/office/powerpoint/2010/main" val="2459212143"/>
+        <p14:creationId xmlns:p14="http://schemas.microsoft.com/office/powerpoint/2010/main" val="1598551148"/>
       </p:ext>
     </p:extLst>
   </p:cSld>
@@ -4789,34 +6253,18 @@
           <a:p>
             <a:pPr algn="ctr"/>
             <a:r>
-              <a:rPr lang="ru-RU" dirty="0">
-                <a:solidFill>
-                  <a:srgbClr val="FF0000"/>
-                </a:solidFill>
-              </a:rPr>
+              <a:rPr lang="ru-RU" dirty="0" smtClean="0"/>
               <a:t>Обобщенное</a:t>
             </a:r>
             <a:r>
-              <a:rPr lang="en-US" dirty="0">
-                <a:solidFill>
-                  <a:srgbClr val="FF0000"/>
-                </a:solidFill>
-              </a:rPr>
+              <a:rPr lang="en-US" dirty="0" smtClean="0"/>
               <a:t> </a:t>
             </a:r>
             <a:r>
-              <a:rPr lang="ru-RU" dirty="0" smtClean="0">
-                <a:solidFill>
-                  <a:srgbClr val="FF0000"/>
-                </a:solidFill>
-              </a:rPr>
-              <a:t>программирование 3</a:t>
-            </a:r>
-            <a:endParaRPr lang="ru-RU" dirty="0">
-              <a:solidFill>
-                <a:srgbClr val="FF0000"/>
-              </a:solidFill>
-            </a:endParaRPr>
+              <a:rPr lang="ru-RU" dirty="0" smtClean="0"/>
+              <a:t>программирование</a:t>
+            </a:r>
+            <a:endParaRPr lang="ru-RU" dirty="0"/>
           </a:p>
         </p:txBody>
       </p:sp>
@@ -4830,19 +6278,181 @@
             <p:ph idx="1"/>
           </p:nvPr>
         </p:nvSpPr>
-        <p:spPr/>
-        <p:txBody>
-          <a:bodyPr/>
-          <a:lstStyle/>
-          <a:p>
-            <a:endParaRPr lang="ru-RU"/>
-          </a:p>
-        </p:txBody>
-      </p:sp>
+        <p:spPr>
+          <a:xfrm>
+            <a:off x="838200" y="1825625"/>
+            <a:ext cx="10514308" cy="1287113"/>
+          </a:xfrm>
+        </p:spPr>
+        <p:txBody>
+          <a:bodyPr>
+            <a:normAutofit/>
+          </a:bodyPr>
+          <a:lstStyle/>
+          <a:p>
+            <a:pPr marL="0" indent="0">
+              <a:buNone/>
+            </a:pPr>
+            <a:r>
+              <a:rPr lang="ru-RU" dirty="0"/>
+              <a:t>Обобщенное </a:t>
+            </a:r>
+            <a:r>
+              <a:rPr lang="ru-RU" dirty="0" smtClean="0"/>
+              <a:t>программирование</a:t>
+            </a:r>
+            <a:r>
+              <a:rPr lang="en-US" dirty="0" smtClean="0"/>
+              <a:t> – </a:t>
+            </a:r>
+            <a:r>
+              <a:rPr lang="ru-RU" dirty="0" smtClean="0"/>
+              <a:t>это </a:t>
+            </a:r>
+            <a:r>
+              <a:rPr lang="ru-RU" dirty="0"/>
+              <a:t>подход к описанию данных и алгоритмов, который позволяет их использовать с различными типами данных без изменения их описания</a:t>
+            </a:r>
+            <a:r>
+              <a:rPr lang="ru-RU" dirty="0" smtClean="0"/>
+              <a:t>. </a:t>
+            </a:r>
+            <a:endParaRPr lang="ru-RU" dirty="0"/>
+          </a:p>
+        </p:txBody>
+      </p:sp>
+      <p:pic>
+        <p:nvPicPr>
+          <p:cNvPr id="2052" name="Picture 4"/>
+          <p:cNvPicPr>
+            <a:picLocks noChangeAspect="1" noChangeArrowheads="1"/>
+          </p:cNvPicPr>
+          <p:nvPr/>
+        </p:nvPicPr>
+        <p:blipFill>
+          <a:blip r:embed="rId2">
+            <a:extLst>
+              <a:ext uri="{28A0092B-C50C-407E-A947-70E740481C1C}">
+                <a14:useLocalDpi xmlns:a14="http://schemas.microsoft.com/office/drawing/2010/main" val="0"/>
+              </a:ext>
+            </a:extLst>
+          </a:blip>
+          <a:srcRect/>
+          <a:stretch>
+            <a:fillRect/>
+          </a:stretch>
+        </p:blipFill>
+        <p:spPr bwMode="auto">
+          <a:xfrm>
+            <a:off x="842071" y="3029918"/>
+            <a:ext cx="4280119" cy="3715233"/>
+          </a:xfrm>
+          <a:prstGeom prst="rect">
+            <a:avLst/>
+          </a:prstGeom>
+          <a:noFill/>
+          <a:ln>
+            <a:noFill/>
+          </a:ln>
+          <a:effectLst/>
+          <a:extLst>
+            <a:ext uri="{909E8E84-426E-40DD-AFC4-6F175D3DCCD1}">
+              <a14:hiddenFill xmlns:a14="http://schemas.microsoft.com/office/drawing/2010/main">
+                <a:solidFill>
+                  <a:schemeClr val="accent1"/>
+                </a:solidFill>
+              </a14:hiddenFill>
+            </a:ext>
+            <a:ext uri="{91240B29-F687-4F45-9708-019B960494DF}">
+              <a14:hiddenLine xmlns:a14="http://schemas.microsoft.com/office/drawing/2010/main" w="9525">
+                <a:solidFill>
+                  <a:schemeClr val="tx1"/>
+                </a:solidFill>
+                <a:miter lim="800000"/>
+                <a:headEnd/>
+                <a:tailEnd/>
+              </a14:hiddenLine>
+            </a:ext>
+            <a:ext uri="{AF507438-7753-43E0-B8FC-AC1667EBCBE1}">
+              <a14:hiddenEffects xmlns:a14="http://schemas.microsoft.com/office/drawing/2010/main">
+                <a:effectLst>
+                  <a:outerShdw dist="35921" dir="2700000" algn="ctr" rotWithShape="0">
+                    <a:schemeClr val="bg2"/>
+                  </a:outerShdw>
+                </a:effectLst>
+              </a14:hiddenEffects>
+            </a:ext>
+          </a:extLst>
+        </p:spPr>
+      </p:pic>
+      <p:pic>
+        <p:nvPicPr>
+          <p:cNvPr id="2053" name="Picture 5"/>
+          <p:cNvPicPr>
+            <a:picLocks noChangeAspect="1" noChangeArrowheads="1"/>
+          </p:cNvPicPr>
+          <p:nvPr/>
+        </p:nvPicPr>
+        <p:blipFill>
+          <a:blip r:embed="rId3">
+            <a:extLst>
+              <a:ext uri="{28A0092B-C50C-407E-A947-70E740481C1C}">
+                <a14:useLocalDpi xmlns:a14="http://schemas.microsoft.com/office/drawing/2010/main" val="0"/>
+              </a:ext>
+            </a:extLst>
+          </a:blip>
+          <a:srcRect/>
+          <a:stretch>
+            <a:fillRect/>
+          </a:stretch>
+        </p:blipFill>
+        <p:spPr bwMode="auto">
+          <a:xfrm>
+            <a:off x="7099273" y="3239710"/>
+            <a:ext cx="2466975" cy="1647825"/>
+          </a:xfrm>
+          <a:prstGeom prst="rect">
+            <a:avLst/>
+          </a:prstGeom>
+          <a:noFill/>
+          <a:ln>
+            <a:noFill/>
+          </a:ln>
+          <a:effectLst/>
+          <a:extLst>
+            <a:ext uri="{909E8E84-426E-40DD-AFC4-6F175D3DCCD1}">
+              <a14:hiddenFill xmlns:a14="http://schemas.microsoft.com/office/drawing/2010/main">
+                <a:solidFill>
+                  <a:schemeClr val="accent1"/>
+                </a:solidFill>
+              </a14:hiddenFill>
+            </a:ext>
+            <a:ext uri="{91240B29-F687-4F45-9708-019B960494DF}">
+              <a14:hiddenLine xmlns:a14="http://schemas.microsoft.com/office/drawing/2010/main" w="9525">
+                <a:solidFill>
+                  <a:schemeClr val="tx1"/>
+                </a:solidFill>
+                <a:miter lim="800000"/>
+                <a:headEnd/>
+                <a:tailEnd/>
+              </a14:hiddenLine>
+            </a:ext>
+            <a:ext uri="{AF507438-7753-43E0-B8FC-AC1667EBCBE1}">
+              <a14:hiddenEffects xmlns:a14="http://schemas.microsoft.com/office/drawing/2010/main">
+                <a:effectLst>
+                  <a:outerShdw dist="35921" dir="2700000" algn="ctr" rotWithShape="0">
+                    <a:schemeClr val="bg2"/>
+                  </a:outerShdw>
+                </a:effectLst>
+              </a14:hiddenEffects>
+            </a:ext>
+          </a:extLst>
+        </p:spPr>
+      </p:pic>
     </p:spTree>
     <p:extLst>
       <p:ext uri="{BB962C8B-B14F-4D97-AF65-F5344CB8AC3E}">
-        <p14:creationId xmlns:p14="http://schemas.microsoft.com/office/powerpoint/2010/main" val="4195729304"/>
+        <p14:creationId xmlns:p14="http://schemas.microsoft.com/office/powerpoint/2010/main" val="3733762512"/>
       </p:ext>
     </p:extLst>
   </p:cSld>
@@ -4886,16 +6496,24 @@
           <a:p>
             <a:pPr algn="ctr"/>
             <a:r>
-              <a:rPr lang="en-US" dirty="0" smtClean="0"/>
-              <a:t>Arrays</a:t>
-            </a:r>
-            <a:endParaRPr lang="ru-RU" dirty="0"/>
-          </a:p>
-        </p:txBody>
-      </p:sp>
-      <p:sp>
-        <p:nvSpPr>
-          <p:cNvPr id="3" name="Объект 2"/>
+              <a:rPr lang="ru-RU" dirty="0"/>
+              <a:t>Обобщенное</a:t>
+            </a:r>
+            <a:r>
+              <a:rPr lang="en-US" dirty="0"/>
+              <a:t> </a:t>
+            </a:r>
+            <a:r>
+              <a:rPr lang="ru-RU" dirty="0"/>
+              <a:t>программирование</a:t>
+            </a:r>
+            <a:endParaRPr lang="en-US" dirty="0"/>
+          </a:p>
+        </p:txBody>
+      </p:sp>
+      <p:sp>
+        <p:nvSpPr>
+          <p:cNvPr id="4" name="Объект 2"/>
           <p:cNvSpPr>
             <a:spLocks noGrp="1"/>
           </p:cNvSpPr>
@@ -4906,69 +6524,197 @@
         <p:spPr>
           <a:xfrm>
             <a:off x="838200" y="1825625"/>
-            <a:ext cx="10515600" cy="3777012"/>
+            <a:ext cx="10514308" cy="1287113"/>
           </a:xfrm>
         </p:spPr>
         <p:txBody>
-          <a:bodyPr/>
-          <a:lstStyle/>
-          <a:p>
-            <a:pPr marL="0" indent="0" algn="just">
+          <a:bodyPr>
+            <a:normAutofit fontScale="77500" lnSpcReduction="20000"/>
+          </a:bodyPr>
+          <a:lstStyle/>
+          <a:p>
+            <a:pPr marL="0" indent="0">
               <a:buNone/>
             </a:pPr>
             <a:r>
+              <a:rPr lang="ru-RU" dirty="0" smtClean="0"/>
+              <a:t>Начиная </a:t>
+            </a:r>
+            <a:r>
               <a:rPr lang="ru-RU" dirty="0"/>
-              <a:t>Массив - это структура данных, в которой хранятся величины одинакового </a:t>
+              <a:t>с JDK 1.5, в </a:t>
+            </a:r>
+            <a:r>
+              <a:rPr lang="ru-RU" dirty="0" err="1"/>
+              <a:t>Java</a:t>
+            </a:r>
+            <a:r>
+              <a:rPr lang="ru-RU" dirty="0"/>
+              <a:t> появляются новые возможности для программирования. Одним из таких нововведений являются </a:t>
             </a:r>
             <a:r>
               <a:rPr lang="ru-RU" dirty="0" smtClean="0"/>
-              <a:t>типа. Доступ к отдельному элементу массива осуществляется по целочисленному индексу.</a:t>
-            </a:r>
-          </a:p>
-          <a:p>
-            <a:pPr marL="0" indent="0" algn="just">
-              <a:buNone/>
-            </a:pPr>
-            <a:endParaRPr lang="ru-RU" dirty="0" smtClean="0"/>
-          </a:p>
-          <a:p>
-            <a:pPr marL="0" indent="0" algn="just">
-              <a:buNone/>
-            </a:pPr>
-            <a:r>
-              <a:rPr lang="en-US" dirty="0">
-                <a:solidFill>
-                  <a:srgbClr val="FF0000"/>
-                </a:solidFill>
-              </a:rPr>
-              <a:t>TODO </a:t>
-            </a:r>
-            <a:r>
-              <a:rPr lang="ru-RU" dirty="0" smtClean="0">
-                <a:solidFill>
-                  <a:srgbClr val="FF0000"/>
-                </a:solidFill>
-              </a:rPr>
-              <a:t>разновидность и инициализация</a:t>
-            </a:r>
-            <a:endParaRPr lang="ru-RU" dirty="0">
-              <a:solidFill>
-                <a:srgbClr val="FF0000"/>
-              </a:solidFill>
-            </a:endParaRPr>
-          </a:p>
-          <a:p>
-            <a:pPr marL="0" indent="0" algn="just">
+              <a:t>обобщения (</a:t>
+            </a:r>
+            <a:r>
+              <a:rPr lang="ru-RU" dirty="0" err="1" smtClean="0"/>
+              <a:t>Generics</a:t>
+            </a:r>
+            <a:r>
+              <a:rPr lang="ru-RU" dirty="0" smtClean="0"/>
+              <a:t>)</a:t>
+            </a:r>
+          </a:p>
+          <a:p>
+            <a:pPr marL="0" indent="0">
               <a:buNone/>
             </a:pPr>
             <a:endParaRPr lang="ru-RU" dirty="0"/>
           </a:p>
-        </p:txBody>
-      </p:sp>
+          <a:p>
+            <a:pPr marL="0" indent="0">
+              <a:buNone/>
+            </a:pPr>
+            <a:r>
+              <a:rPr lang="ru-RU" dirty="0" smtClean="0"/>
+              <a:t>Раньше:					Сейчас:</a:t>
+            </a:r>
+            <a:endParaRPr lang="ru-RU" dirty="0"/>
+          </a:p>
+        </p:txBody>
+      </p:sp>
+      <p:pic>
+        <p:nvPicPr>
+          <p:cNvPr id="3074" name="Picture 2"/>
+          <p:cNvPicPr>
+            <a:picLocks noChangeAspect="1" noChangeArrowheads="1"/>
+          </p:cNvPicPr>
+          <p:nvPr/>
+        </p:nvPicPr>
+        <p:blipFill>
+          <a:blip r:embed="rId2">
+            <a:extLst>
+              <a:ext uri="{28A0092B-C50C-407E-A947-70E740481C1C}">
+                <a14:useLocalDpi xmlns:a14="http://schemas.microsoft.com/office/drawing/2010/main" val="0"/>
+              </a:ext>
+            </a:extLst>
+          </a:blip>
+          <a:srcRect/>
+          <a:stretch>
+            <a:fillRect/>
+          </a:stretch>
+        </p:blipFill>
+        <p:spPr bwMode="auto">
+          <a:xfrm>
+            <a:off x="789042" y="3312198"/>
+            <a:ext cx="2771775" cy="962025"/>
+          </a:xfrm>
+          <a:prstGeom prst="rect">
+            <a:avLst/>
+          </a:prstGeom>
+          <a:noFill/>
+          <a:ln>
+            <a:noFill/>
+          </a:ln>
+          <a:effectLst/>
+          <a:extLst>
+            <a:ext uri="{909E8E84-426E-40DD-AFC4-6F175D3DCCD1}">
+              <a14:hiddenFill xmlns:a14="http://schemas.microsoft.com/office/drawing/2010/main">
+                <a:solidFill>
+                  <a:schemeClr val="accent1"/>
+                </a:solidFill>
+              </a14:hiddenFill>
+            </a:ext>
+            <a:ext uri="{91240B29-F687-4F45-9708-019B960494DF}">
+              <a14:hiddenLine xmlns:a14="http://schemas.microsoft.com/office/drawing/2010/main" w="9525">
+                <a:solidFill>
+                  <a:schemeClr val="tx1"/>
+                </a:solidFill>
+                <a:miter lim="800000"/>
+                <a:headEnd/>
+                <a:tailEnd/>
+              </a14:hiddenLine>
+            </a:ext>
+            <a:ext uri="{AF507438-7753-43E0-B8FC-AC1667EBCBE1}">
+              <a14:hiddenEffects xmlns:a14="http://schemas.microsoft.com/office/drawing/2010/main">
+                <a:effectLst>
+                  <a:outerShdw dist="35921" dir="2700000" algn="ctr" rotWithShape="0">
+                    <a:schemeClr val="bg2"/>
+                  </a:outerShdw>
+                </a:effectLst>
+              </a14:hiddenEffects>
+            </a:ext>
+          </a:extLst>
+        </p:spPr>
+      </p:pic>
+      <p:pic>
+        <p:nvPicPr>
+          <p:cNvPr id="3075" name="Picture 3"/>
+          <p:cNvPicPr>
+            <a:picLocks noChangeAspect="1" noChangeArrowheads="1"/>
+          </p:cNvPicPr>
+          <p:nvPr/>
+        </p:nvPicPr>
+        <p:blipFill>
+          <a:blip r:embed="rId3">
+            <a:extLst>
+              <a:ext uri="{28A0092B-C50C-407E-A947-70E740481C1C}">
+                <a14:useLocalDpi xmlns:a14="http://schemas.microsoft.com/office/drawing/2010/main" val="0"/>
+              </a:ext>
+            </a:extLst>
+          </a:blip>
+          <a:srcRect/>
+          <a:stretch>
+            <a:fillRect/>
+          </a:stretch>
+        </p:blipFill>
+        <p:spPr bwMode="auto">
+          <a:xfrm>
+            <a:off x="6360117" y="3483648"/>
+            <a:ext cx="3733800" cy="790575"/>
+          </a:xfrm>
+          <a:prstGeom prst="rect">
+            <a:avLst/>
+          </a:prstGeom>
+          <a:noFill/>
+          <a:ln>
+            <a:noFill/>
+          </a:ln>
+          <a:effectLst/>
+          <a:extLst>
+            <a:ext uri="{909E8E84-426E-40DD-AFC4-6F175D3DCCD1}">
+              <a14:hiddenFill xmlns:a14="http://schemas.microsoft.com/office/drawing/2010/main">
+                <a:solidFill>
+                  <a:schemeClr val="accent1"/>
+                </a:solidFill>
+              </a14:hiddenFill>
+            </a:ext>
+            <a:ext uri="{91240B29-F687-4F45-9708-019B960494DF}">
+              <a14:hiddenLine xmlns:a14="http://schemas.microsoft.com/office/drawing/2010/main" w="9525">
+                <a:solidFill>
+                  <a:schemeClr val="tx1"/>
+                </a:solidFill>
+                <a:miter lim="800000"/>
+                <a:headEnd/>
+                <a:tailEnd/>
+              </a14:hiddenLine>
+            </a:ext>
+            <a:ext uri="{AF507438-7753-43E0-B8FC-AC1667EBCBE1}">
+              <a14:hiddenEffects xmlns:a14="http://schemas.microsoft.com/office/drawing/2010/main">
+                <a:effectLst>
+                  <a:outerShdw dist="35921" dir="2700000" algn="ctr" rotWithShape="0">
+                    <a:schemeClr val="bg2"/>
+                  </a:outerShdw>
+                </a:effectLst>
+              </a14:hiddenEffects>
+            </a:ext>
+          </a:extLst>
+        </p:spPr>
+      </p:pic>
     </p:spTree>
     <p:extLst>
       <p:ext uri="{BB962C8B-B14F-4D97-AF65-F5344CB8AC3E}">
-        <p14:creationId xmlns:p14="http://schemas.microsoft.com/office/powerpoint/2010/main" val="1514625228"/>
+        <p14:creationId xmlns:p14="http://schemas.microsoft.com/office/powerpoint/2010/main" val="2689534847"/>
       </p:ext>
     </p:extLst>
   </p:cSld>
@@ -5012,257 +6758,39 @@
           <a:p>
             <a:pPr algn="ctr"/>
             <a:r>
-              <a:rPr lang="en-US" altLang="ru-RU" dirty="0">
-                <a:solidFill>
-                  <a:srgbClr val="000000"/>
+              <a:rPr lang="ru-RU" dirty="0"/>
+              <a:t>Проблемы реализации </a:t>
+            </a:r>
+            <a:r>
+              <a:rPr lang="ru-RU" dirty="0" smtClean="0"/>
+              <a:t>обобщений</a:t>
+            </a:r>
+            <a:r>
+              <a:rPr lang="en-US" dirty="0" smtClean="0"/>
+              <a:t/>
+            </a:r>
+            <a:br>
+              <a:rPr lang="en-US" dirty="0" smtClean="0"/>
+            </a:br>
+            <a:r>
+              <a:rPr lang="en-US" dirty="0" smtClean="0">
+                <a:solidFill>
+                  <a:srgbClr val="FF0000"/>
                 </a:solidFill>
               </a:rPr>
-              <a:t>Collections API</a:t>
-            </a:r>
-            <a:endParaRPr lang="ru-RU" dirty="0"/>
-          </a:p>
-        </p:txBody>
-      </p:sp>
-      <p:sp>
-        <p:nvSpPr>
-          <p:cNvPr id="3" name="Объект 2"/>
-          <p:cNvSpPr>
-            <a:spLocks noGrp="1"/>
-          </p:cNvSpPr>
-          <p:nvPr>
-            <p:ph idx="1"/>
-          </p:nvPr>
-        </p:nvSpPr>
-        <p:spPr/>
-        <p:txBody>
-          <a:bodyPr/>
-          <a:lstStyle/>
-          <a:p>
-            <a:pPr marL="457200" indent="-457200">
-              <a:spcBef>
-                <a:spcPts val="0"/>
-              </a:spcBef>
-              <a:defRPr/>
-            </a:pPr>
-            <a:r>
-              <a:rPr lang="ru-RU" dirty="0">
-                <a:solidFill>
-                  <a:sysClr val="windowText" lastClr="000000"/>
+              <a:t>TODO </a:t>
+            </a:r>
+            <a:r>
+              <a:rPr lang="ru-RU" dirty="0" smtClean="0">
+                <a:solidFill>
+                  <a:srgbClr val="FF0000"/>
                 </a:solidFill>
               </a:rPr>
-              <a:t>Контейнеры до </a:t>
-            </a:r>
-            <a:r>
-              <a:rPr lang="en-US" dirty="0">
-                <a:solidFill>
-                  <a:sysClr val="windowText" lastClr="000000"/>
-                </a:solidFill>
-              </a:rPr>
-              <a:t>Java 1.5 (</a:t>
-            </a:r>
-            <a:r>
-              <a:rPr lang="ru-RU" dirty="0" err="1">
-                <a:solidFill>
-                  <a:sysClr val="windowText" lastClr="000000"/>
-                </a:solidFill>
-              </a:rPr>
-              <a:t>нетипизированная</a:t>
-            </a:r>
-            <a:r>
-              <a:rPr lang="ru-RU" dirty="0">
-                <a:solidFill>
-                  <a:sysClr val="windowText" lastClr="000000"/>
-                </a:solidFill>
-              </a:rPr>
-              <a:t> коллекция</a:t>
-            </a:r>
-            <a:r>
-              <a:rPr lang="en-US" dirty="0" smtClean="0">
-                <a:solidFill>
-                  <a:sysClr val="windowText" lastClr="000000"/>
-                </a:solidFill>
-              </a:rPr>
-              <a:t>)</a:t>
+              <a:t>нужно?</a:t>
             </a:r>
             <a:endParaRPr lang="en-US" dirty="0">
               <a:solidFill>
-                <a:sysClr val="windowText" lastClr="000000"/>
-              </a:solidFill>
-            </a:endParaRPr>
-          </a:p>
-          <a:p>
-            <a:pPr marL="457200" indent="-457200">
-              <a:spcBef>
-                <a:spcPts val="0"/>
-              </a:spcBef>
-              <a:defRPr/>
-            </a:pPr>
-            <a:r>
-              <a:rPr lang="ru-RU" dirty="0">
-                <a:solidFill>
-                  <a:sysClr val="windowText" lastClr="000000"/>
-                </a:solidFill>
-              </a:rPr>
-              <a:t>Типизированные контейнеры (</a:t>
-            </a:r>
-            <a:r>
-              <a:rPr lang="en-US" dirty="0">
-                <a:solidFill>
-                  <a:sysClr val="windowText" lastClr="000000"/>
-                </a:solidFill>
-              </a:rPr>
-              <a:t>Generics)</a:t>
-            </a:r>
-          </a:p>
-          <a:p>
-            <a:pPr marL="457200" indent="-457200">
-              <a:spcBef>
-                <a:spcPts val="0"/>
-              </a:spcBef>
-              <a:defRPr/>
-            </a:pPr>
-            <a:r>
-              <a:rPr lang="ru-RU" dirty="0">
-                <a:solidFill>
-                  <a:sysClr val="windowText" lastClr="000000"/>
-                </a:solidFill>
-              </a:rPr>
-              <a:t>Основные концепции:</a:t>
-            </a:r>
-            <a:endParaRPr lang="en-US" dirty="0">
-              <a:solidFill>
-                <a:sysClr val="windowText" lastClr="000000"/>
-              </a:solidFill>
-            </a:endParaRPr>
-          </a:p>
-          <a:p>
-            <a:pPr marL="0" lvl="8" indent="0">
-              <a:spcBef>
-                <a:spcPts val="0"/>
-              </a:spcBef>
-              <a:buNone/>
-              <a:defRPr/>
-            </a:pPr>
-            <a:r>
-              <a:rPr lang="en-US" sz="2800" dirty="0">
-                <a:solidFill>
-                  <a:sysClr val="windowText" lastClr="000000"/>
-                </a:solidFill>
-              </a:rPr>
-              <a:t>	List</a:t>
-            </a:r>
-            <a:endParaRPr lang="ru-RU" sz="2800" dirty="0">
-              <a:solidFill>
-                <a:sysClr val="windowText" lastClr="000000"/>
-              </a:solidFill>
-            </a:endParaRPr>
-          </a:p>
-          <a:p>
-            <a:pPr marL="0" lvl="8" indent="0">
-              <a:spcBef>
-                <a:spcPts val="0"/>
-              </a:spcBef>
-              <a:buNone/>
-              <a:defRPr/>
-            </a:pPr>
-            <a:r>
-              <a:rPr lang="ru-RU" sz="2800" dirty="0">
-                <a:solidFill>
-                  <a:sysClr val="windowText" lastClr="000000"/>
-                </a:solidFill>
-              </a:rPr>
-              <a:t>	</a:t>
-            </a:r>
-            <a:r>
-              <a:rPr lang="en-US" sz="2800" dirty="0">
-                <a:solidFill>
-                  <a:sysClr val="windowText" lastClr="000000"/>
-                </a:solidFill>
-              </a:rPr>
-              <a:t>Set</a:t>
-            </a:r>
-          </a:p>
-          <a:p>
-            <a:pPr marL="0" lvl="8" indent="0">
-              <a:spcBef>
-                <a:spcPts val="0"/>
-              </a:spcBef>
-              <a:buNone/>
-              <a:defRPr/>
-            </a:pPr>
-            <a:r>
-              <a:rPr lang="en-US" sz="2800" dirty="0">
-                <a:solidFill>
-                  <a:sysClr val="windowText" lastClr="000000"/>
-                </a:solidFill>
-              </a:rPr>
-              <a:t>	Queue</a:t>
-            </a:r>
-          </a:p>
-          <a:p>
-            <a:pPr marL="0" lvl="4" indent="0">
-              <a:spcBef>
-                <a:spcPts val="0"/>
-              </a:spcBef>
-              <a:buNone/>
-              <a:defRPr/>
-            </a:pPr>
-            <a:r>
-              <a:rPr lang="en-US" sz="2800" dirty="0">
-                <a:solidFill>
-                  <a:sysClr val="windowText" lastClr="000000"/>
-                </a:solidFill>
-              </a:rPr>
-              <a:t>	</a:t>
-            </a:r>
-            <a:r>
-              <a:rPr lang="en-US" sz="2800" dirty="0" smtClean="0">
-                <a:solidFill>
-                  <a:sysClr val="windowText" lastClr="000000"/>
-                </a:solidFill>
-              </a:rPr>
-              <a:t>Map</a:t>
-            </a:r>
-            <a:endParaRPr lang="ru-RU" sz="2800" dirty="0">
-              <a:solidFill>
-                <a:sysClr val="windowText" lastClr="000000"/>
-              </a:solidFill>
-            </a:endParaRPr>
-          </a:p>
-          <a:p>
-            <a:pPr marL="457200" indent="-457200">
-              <a:spcBef>
-                <a:spcPts val="0"/>
-              </a:spcBef>
-              <a:defRPr/>
-            </a:pPr>
-            <a:r>
-              <a:rPr lang="en-US" dirty="0">
-                <a:solidFill>
-                  <a:sysClr val="windowText" lastClr="000000"/>
-                </a:solidFill>
-              </a:rPr>
-              <a:t>Custom Collections (</a:t>
-            </a:r>
-            <a:r>
-              <a:rPr lang="en-US" dirty="0" err="1">
-                <a:solidFill>
-                  <a:sysClr val="windowText" lastClr="000000"/>
-                </a:solidFill>
-              </a:rPr>
-              <a:t>AbstractCollection</a:t>
-            </a:r>
-            <a:r>
-              <a:rPr lang="en-US" dirty="0" smtClean="0">
-                <a:solidFill>
-                  <a:sysClr val="windowText" lastClr="000000"/>
-                </a:solidFill>
-              </a:rPr>
-              <a:t>)</a:t>
-            </a:r>
-            <a:endParaRPr lang="ru-RU" dirty="0">
-              <a:solidFill>
-                <a:sysClr val="windowText" lastClr="000000"/>
+                <a:srgbClr val="FF0000"/>
               </a:solidFill>
             </a:endParaRPr>
           </a:p>
@@ -5271,7 +6799,7 @@
     </p:spTree>
     <p:extLst>
       <p:ext uri="{BB962C8B-B14F-4D97-AF65-F5344CB8AC3E}">
-        <p14:creationId xmlns:p14="http://schemas.microsoft.com/office/powerpoint/2010/main" val="1611366271"/>
+        <p14:creationId xmlns:p14="http://schemas.microsoft.com/office/powerpoint/2010/main" val="2459212143"/>
       </p:ext>
     </p:extLst>
   </p:cSld>
@@ -5570,7 +7098,7 @@
   <a:extraClrSchemeLst/>
   <a:extLst>
     <a:ext uri="{05A4C25C-085E-4340-85A3-A5531E510DB2}">
-      <thm15:themeFamily xmlns="" xmlns:thm15="http://schemas.microsoft.com/office/thememl/2012/main" name="Office Theme" id="{62F939B6-93AF-4DB8-9C6B-D6C7DFDC589F}" vid="{4A3C46E8-61CC-4603-A589-7422A47A8E4A}"/>
+      <thm15:themeFamily xmlns:thm15="http://schemas.microsoft.com/office/thememl/2012/main" xmlns="" name="Office Theme" id="{62F939B6-93AF-4DB8-9C6B-D6C7DFDC589F}" vid="{4A3C46E8-61CC-4603-A589-7422A47A8E4A}"/>
     </a:ext>
   </a:extLst>
 </a:theme>
